--- a/schemat.pptx
+++ b/schemat.pptx
@@ -5,12 +5,11 @@
     <p:sldMasterId id="2147483648" r:id="rId1"/>
   </p:sldMasterIdLst>
   <p:sldIdLst>
-    <p:sldId id="256" r:id="rId2"/>
-    <p:sldId id="257" r:id="rId3"/>
-    <p:sldId id="258" r:id="rId4"/>
-    <p:sldId id="260" r:id="rId5"/>
-    <p:sldId id="259" r:id="rId6"/>
-    <p:sldId id="262" r:id="rId7"/>
+    <p:sldId id="260" r:id="rId2"/>
+    <p:sldId id="259" r:id="rId3"/>
+    <p:sldId id="257" r:id="rId4"/>
+    <p:sldId id="264" r:id="rId5"/>
+    <p:sldId id="265" r:id="rId6"/>
   </p:sldIdLst>
   <p:sldSz cx="12192000" cy="6858000"/>
   <p:notesSz cx="6858000" cy="9144000"/>
@@ -264,7 +263,7 @@
           <a:p>
             <a:fld id="{B43323B8-C18A-4516-A5B0-5D0A5A49168F}" type="datetimeFigureOut">
               <a:rPr lang="pl-PL" smtClean="0"/>
-              <a:t>26.06.2023</a:t>
+              <a:t>27.06.2023</a:t>
             </a:fld>
             <a:endParaRPr lang="pl-PL"/>
           </a:p>
@@ -462,7 +461,7 @@
           <a:p>
             <a:fld id="{B43323B8-C18A-4516-A5B0-5D0A5A49168F}" type="datetimeFigureOut">
               <a:rPr lang="pl-PL" smtClean="0"/>
-              <a:t>26.06.2023</a:t>
+              <a:t>27.06.2023</a:t>
             </a:fld>
             <a:endParaRPr lang="pl-PL"/>
           </a:p>
@@ -670,7 +669,7 @@
           <a:p>
             <a:fld id="{B43323B8-C18A-4516-A5B0-5D0A5A49168F}" type="datetimeFigureOut">
               <a:rPr lang="pl-PL" smtClean="0"/>
-              <a:t>26.06.2023</a:t>
+              <a:t>27.06.2023</a:t>
             </a:fld>
             <a:endParaRPr lang="pl-PL"/>
           </a:p>
@@ -868,7 +867,7 @@
           <a:p>
             <a:fld id="{B43323B8-C18A-4516-A5B0-5D0A5A49168F}" type="datetimeFigureOut">
               <a:rPr lang="pl-PL" smtClean="0"/>
-              <a:t>26.06.2023</a:t>
+              <a:t>27.06.2023</a:t>
             </a:fld>
             <a:endParaRPr lang="pl-PL"/>
           </a:p>
@@ -1143,7 +1142,7 @@
           <a:p>
             <a:fld id="{B43323B8-C18A-4516-A5B0-5D0A5A49168F}" type="datetimeFigureOut">
               <a:rPr lang="pl-PL" smtClean="0"/>
-              <a:t>26.06.2023</a:t>
+              <a:t>27.06.2023</a:t>
             </a:fld>
             <a:endParaRPr lang="pl-PL"/>
           </a:p>
@@ -1408,7 +1407,7 @@
           <a:p>
             <a:fld id="{B43323B8-C18A-4516-A5B0-5D0A5A49168F}" type="datetimeFigureOut">
               <a:rPr lang="pl-PL" smtClean="0"/>
-              <a:t>26.06.2023</a:t>
+              <a:t>27.06.2023</a:t>
             </a:fld>
             <a:endParaRPr lang="pl-PL"/>
           </a:p>
@@ -1820,7 +1819,7 @@
           <a:p>
             <a:fld id="{B43323B8-C18A-4516-A5B0-5D0A5A49168F}" type="datetimeFigureOut">
               <a:rPr lang="pl-PL" smtClean="0"/>
-              <a:t>26.06.2023</a:t>
+              <a:t>27.06.2023</a:t>
             </a:fld>
             <a:endParaRPr lang="pl-PL"/>
           </a:p>
@@ -1961,7 +1960,7 @@
           <a:p>
             <a:fld id="{B43323B8-C18A-4516-A5B0-5D0A5A49168F}" type="datetimeFigureOut">
               <a:rPr lang="pl-PL" smtClean="0"/>
-              <a:t>26.06.2023</a:t>
+              <a:t>27.06.2023</a:t>
             </a:fld>
             <a:endParaRPr lang="pl-PL"/>
           </a:p>
@@ -2074,7 +2073,7 @@
           <a:p>
             <a:fld id="{B43323B8-C18A-4516-A5B0-5D0A5A49168F}" type="datetimeFigureOut">
               <a:rPr lang="pl-PL" smtClean="0"/>
-              <a:t>26.06.2023</a:t>
+              <a:t>27.06.2023</a:t>
             </a:fld>
             <a:endParaRPr lang="pl-PL"/>
           </a:p>
@@ -2385,7 +2384,7 @@
           <a:p>
             <a:fld id="{B43323B8-C18A-4516-A5B0-5D0A5A49168F}" type="datetimeFigureOut">
               <a:rPr lang="pl-PL" smtClean="0"/>
-              <a:t>26.06.2023</a:t>
+              <a:t>27.06.2023</a:t>
             </a:fld>
             <a:endParaRPr lang="pl-PL"/>
           </a:p>
@@ -2673,7 +2672,7 @@
           <a:p>
             <a:fld id="{B43323B8-C18A-4516-A5B0-5D0A5A49168F}" type="datetimeFigureOut">
               <a:rPr lang="pl-PL" smtClean="0"/>
-              <a:t>26.06.2023</a:t>
+              <a:t>27.06.2023</a:t>
             </a:fld>
             <a:endParaRPr lang="pl-PL"/>
           </a:p>
@@ -2914,7 +2913,7 @@
           <a:p>
             <a:fld id="{B43323B8-C18A-4516-A5B0-5D0A5A49168F}" type="datetimeFigureOut">
               <a:rPr lang="pl-PL" smtClean="0"/>
-              <a:t>26.06.2023</a:t>
+              <a:t>27.06.2023</a:t>
             </a:fld>
             <a:endParaRPr lang="pl-PL"/>
           </a:p>
@@ -3331,12 +3330,71 @@
           <a:chExt cx="0" cy="0"/>
         </a:xfrm>
       </p:grpSpPr>
-      <p:sp>
-        <p:nvSpPr>
-          <p:cNvPr id="4" name="pole tekstowe 3">
-            <a:extLst>
-              <a:ext uri="{FF2B5EF4-FFF2-40B4-BE49-F238E27FC236}">
-                <a16:creationId xmlns:a16="http://schemas.microsoft.com/office/drawing/2014/main" id="{586B528B-B20A-3BAC-A63B-7DB431455FF5}"/>
+      <p:pic>
+        <p:nvPicPr>
+          <p:cNvPr id="3" name="Obraz 2">
+            <a:extLst>
+              <a:ext uri="{FF2B5EF4-FFF2-40B4-BE49-F238E27FC236}">
+                <a16:creationId xmlns:a16="http://schemas.microsoft.com/office/drawing/2014/main" id="{077377CD-49E4-B41D-68CB-0E4D65EB25E4}"/>
+              </a:ext>
+            </a:extLst>
+          </p:cNvPr>
+          <p:cNvPicPr>
+            <a:picLocks noChangeAspect="1"/>
+          </p:cNvPicPr>
+          <p:nvPr/>
+        </p:nvPicPr>
+        <p:blipFill rotWithShape="1">
+          <a:blip r:embed="rId2"/>
+          <a:srcRect r="20112"/>
+          <a:stretch/>
+        </p:blipFill>
+        <p:spPr>
+          <a:xfrm>
+            <a:off x="3232296" y="2479609"/>
+            <a:ext cx="3661484" cy="2404358"/>
+          </a:xfrm>
+          <a:prstGeom prst="rect">
+            <a:avLst/>
+          </a:prstGeom>
+        </p:spPr>
+      </p:pic>
+      <p:pic>
+        <p:nvPicPr>
+          <p:cNvPr id="5" name="Obraz 4">
+            <a:extLst>
+              <a:ext uri="{FF2B5EF4-FFF2-40B4-BE49-F238E27FC236}">
+                <a16:creationId xmlns:a16="http://schemas.microsoft.com/office/drawing/2014/main" id="{10A10947-E55D-8605-4090-D7ABE07615FA}"/>
+              </a:ext>
+            </a:extLst>
+          </p:cNvPr>
+          <p:cNvPicPr>
+            <a:picLocks noChangeAspect="1"/>
+          </p:cNvPicPr>
+          <p:nvPr/>
+        </p:nvPicPr>
+        <p:blipFill>
+          <a:blip r:embed="rId3"/>
+          <a:stretch>
+            <a:fillRect/>
+          </a:stretch>
+        </p:blipFill>
+        <p:spPr>
+          <a:xfrm>
+            <a:off x="-3885" y="1541490"/>
+            <a:ext cx="2725024" cy="4115248"/>
+          </a:xfrm>
+          <a:prstGeom prst="rect">
+            <a:avLst/>
+          </a:prstGeom>
+        </p:spPr>
+      </p:pic>
+      <p:sp>
+        <p:nvSpPr>
+          <p:cNvPr id="6" name="pole tekstowe 5">
+            <a:extLst>
+              <a:ext uri="{FF2B5EF4-FFF2-40B4-BE49-F238E27FC236}">
+                <a16:creationId xmlns:a16="http://schemas.microsoft.com/office/drawing/2014/main" id="{B3B4F95D-CC72-3054-62AC-FBD01B0F1297}"/>
               </a:ext>
             </a:extLst>
           </p:cNvPr>
@@ -3345,18 +3403,13 @@
         </p:nvSpPr>
         <p:spPr>
           <a:xfrm>
-            <a:off x="254561" y="3181578"/>
-            <a:ext cx="3039807" cy="553998"/>
+            <a:off x="1695609" y="-14497"/>
+            <a:ext cx="8652561" cy="584775"/>
           </a:xfrm>
           <a:prstGeom prst="rect">
             <a:avLst/>
           </a:prstGeom>
           <a:noFill/>
-          <a:ln>
-            <a:solidFill>
-              <a:schemeClr val="accent1"/>
-            </a:solidFill>
-          </a:ln>
         </p:spPr>
         <p:txBody>
           <a:bodyPr wrap="none" rtlCol="0">
@@ -3365,65 +3418,48 @@
           <a:lstStyle/>
           <a:p>
             <a:r>
-              <a:rPr lang="pl-PL" dirty="0"/>
-              <a:t>open </a:t>
-            </a:r>
-            <a:r>
-              <a:rPr lang="pl-PL" dirty="0" err="1"/>
-              <a:t>samples</a:t>
-            </a:r>
-            <a:r>
-              <a:rPr lang="pl-PL" dirty="0"/>
-              <a:t> list </a:t>
-            </a:r>
-          </a:p>
-          <a:p>
-            <a:r>
-              <a:rPr lang="pl-PL" sz="1200" dirty="0" err="1"/>
-              <a:t>take</a:t>
-            </a:r>
-            <a:r>
-              <a:rPr lang="pl-PL" sz="1200" dirty="0"/>
-              <a:t> </a:t>
-            </a:r>
-            <a:r>
-              <a:rPr lang="pl-PL" sz="1200" dirty="0" err="1"/>
-              <a:t>sample</a:t>
-            </a:r>
-            <a:r>
-              <a:rPr lang="pl-PL" sz="1200" dirty="0"/>
-              <a:t> </a:t>
-            </a:r>
-            <a:r>
-              <a:rPr lang="pl-PL" sz="1200" dirty="0" err="1"/>
-              <a:t>name</a:t>
-            </a:r>
-            <a:r>
-              <a:rPr lang="pl-PL" sz="1200" dirty="0"/>
-              <a:t> and </a:t>
-            </a:r>
-            <a:r>
-              <a:rPr lang="pl-PL" sz="1200" dirty="0" err="1"/>
-              <a:t>calculate</a:t>
-            </a:r>
-            <a:r>
-              <a:rPr lang="pl-PL" sz="1200" dirty="0"/>
-              <a:t> cross </a:t>
-            </a:r>
-            <a:r>
-              <a:rPr lang="pl-PL" sz="1200" dirty="0" err="1"/>
-              <a:t>section</a:t>
-            </a:r>
-            <a:endParaRPr lang="pl-PL" sz="1200" dirty="0"/>
-          </a:p>
-        </p:txBody>
-      </p:sp>
-      <p:sp>
-        <p:nvSpPr>
-          <p:cNvPr id="5" name="pole tekstowe 4">
-            <a:extLst>
-              <a:ext uri="{FF2B5EF4-FFF2-40B4-BE49-F238E27FC236}">
-                <a16:creationId xmlns:a16="http://schemas.microsoft.com/office/drawing/2014/main" id="{DD7A33B2-CA03-D2EF-F399-DA5F23AA498F}"/>
+              <a:rPr lang="pl-PL" sz="3200" dirty="0"/>
+              <a:t>Analiza danych z próby jednoosiowego rozciągania </a:t>
+            </a:r>
+          </a:p>
+        </p:txBody>
+      </p:sp>
+      <p:pic>
+        <p:nvPicPr>
+          <p:cNvPr id="15" name="Obraz 14">
+            <a:extLst>
+              <a:ext uri="{FF2B5EF4-FFF2-40B4-BE49-F238E27FC236}">
+                <a16:creationId xmlns:a16="http://schemas.microsoft.com/office/drawing/2014/main" id="{3C5C6286-9939-EBD8-6C2D-8E2B5687F6FD}"/>
+              </a:ext>
+            </a:extLst>
+          </p:cNvPr>
+          <p:cNvPicPr>
+            <a:picLocks noChangeAspect="1"/>
+          </p:cNvPicPr>
+          <p:nvPr/>
+        </p:nvPicPr>
+        <p:blipFill>
+          <a:blip r:embed="rId4"/>
+          <a:stretch>
+            <a:fillRect/>
+          </a:stretch>
+        </p:blipFill>
+        <p:spPr>
+          <a:xfrm>
+            <a:off x="7404937" y="2118314"/>
+            <a:ext cx="4643405" cy="3538424"/>
+          </a:xfrm>
+          <a:prstGeom prst="rect">
+            <a:avLst/>
+          </a:prstGeom>
+        </p:spPr>
+      </p:pic>
+      <p:sp>
+        <p:nvSpPr>
+          <p:cNvPr id="22" name="pole tekstowe 21">
+            <a:extLst>
+              <a:ext uri="{FF2B5EF4-FFF2-40B4-BE49-F238E27FC236}">
+                <a16:creationId xmlns:a16="http://schemas.microsoft.com/office/drawing/2014/main" id="{60E2EA0E-4277-E247-28F4-AD2BCD922C9A}"/>
               </a:ext>
             </a:extLst>
           </p:cNvPr>
@@ -3432,18 +3468,13 @@
         </p:nvSpPr>
         <p:spPr>
           <a:xfrm>
-            <a:off x="1000615" y="3869555"/>
-            <a:ext cx="2104807" cy="553998"/>
+            <a:off x="8133001" y="1218324"/>
+            <a:ext cx="3430042" cy="646331"/>
           </a:xfrm>
           <a:prstGeom prst="rect">
             <a:avLst/>
           </a:prstGeom>
           <a:noFill/>
-          <a:ln>
-            <a:solidFill>
-              <a:schemeClr val="accent1"/>
-            </a:solidFill>
-          </a:ln>
         </p:spPr>
         <p:txBody>
           <a:bodyPr wrap="none" rtlCol="0">
@@ -3453,48 +3484,36 @@
           <a:p>
             <a:r>
               <a:rPr lang="pl-PL" dirty="0"/>
-              <a:t>open </a:t>
+              <a:t>Krzywa naprężenie – odkształcenie</a:t>
+            </a:r>
+          </a:p>
+          <a:p>
+            <a:r>
+              <a:rPr lang="pl-PL" dirty="0"/>
+              <a:t>                         </a:t>
             </a:r>
             <a:r>
               <a:rPr lang="pl-PL" dirty="0" err="1"/>
-              <a:t>force</a:t>
+              <a:t>stress</a:t>
             </a:r>
             <a:r>
               <a:rPr lang="pl-PL" dirty="0"/>
-              <a:t> file (TRA)</a:t>
-            </a:r>
-          </a:p>
-          <a:p>
-            <a:r>
-              <a:rPr lang="pl-PL" sz="1200" dirty="0" err="1"/>
-              <a:t>create</a:t>
-            </a:r>
-            <a:r>
-              <a:rPr lang="pl-PL" sz="1200" dirty="0"/>
-              <a:t> list with </a:t>
-            </a:r>
-            <a:r>
-              <a:rPr lang="pl-PL" sz="1200" dirty="0" err="1"/>
-              <a:t>force</a:t>
-            </a:r>
-            <a:r>
-              <a:rPr lang="pl-PL" sz="1200" dirty="0"/>
-              <a:t> </a:t>
-            </a:r>
-            <a:r>
-              <a:rPr lang="pl-PL" sz="1200" dirty="0" err="1"/>
-              <a:t>records</a:t>
-            </a:r>
-            <a:endParaRPr lang="pl-PL" sz="1200" dirty="0"/>
-          </a:p>
-        </p:txBody>
-      </p:sp>
-      <p:sp>
-        <p:nvSpPr>
-          <p:cNvPr id="6" name="pole tekstowe 5">
-            <a:extLst>
-              <a:ext uri="{FF2B5EF4-FFF2-40B4-BE49-F238E27FC236}">
-                <a16:creationId xmlns:a16="http://schemas.microsoft.com/office/drawing/2014/main" id="{571CFB14-2946-824C-A1DE-A914088DA056}"/>
+              <a:t> - </a:t>
+            </a:r>
+            <a:r>
+              <a:rPr lang="pl-PL" dirty="0" err="1"/>
+              <a:t>strain</a:t>
+            </a:r>
+            <a:endParaRPr lang="pl-PL" dirty="0"/>
+          </a:p>
+        </p:txBody>
+      </p:sp>
+      <p:sp>
+        <p:nvSpPr>
+          <p:cNvPr id="2" name="pole tekstowe 1">
+            <a:extLst>
+              <a:ext uri="{FF2B5EF4-FFF2-40B4-BE49-F238E27FC236}">
+                <a16:creationId xmlns:a16="http://schemas.microsoft.com/office/drawing/2014/main" id="{9270A136-F220-9E7C-2E59-E73D3882AE5C}"/>
               </a:ext>
             </a:extLst>
           </p:cNvPr>
@@ -3503,18 +3522,13 @@
         </p:nvSpPr>
         <p:spPr>
           <a:xfrm>
-            <a:off x="1400960" y="4490543"/>
-            <a:ext cx="2141035" cy="553998"/>
+            <a:off x="2547890" y="3280153"/>
+            <a:ext cx="567784" cy="1015663"/>
           </a:xfrm>
           <a:prstGeom prst="rect">
             <a:avLst/>
           </a:prstGeom>
           <a:noFill/>
-          <a:ln>
-            <a:solidFill>
-              <a:schemeClr val="accent1"/>
-            </a:solidFill>
-          </a:ln>
         </p:spPr>
         <p:txBody>
           <a:bodyPr wrap="none" rtlCol="0">
@@ -3523,178 +3537,18 @@
           <a:lstStyle/>
           <a:p>
             <a:r>
-              <a:rPr lang="pl-PL" dirty="0"/>
-              <a:t>open </a:t>
-            </a:r>
-            <a:r>
-              <a:rPr lang="pl-PL" dirty="0" err="1"/>
-              <a:t>strain</a:t>
-            </a:r>
-            <a:r>
-              <a:rPr lang="pl-PL" dirty="0"/>
-              <a:t> file (CSV)</a:t>
-            </a:r>
-          </a:p>
-          <a:p>
-            <a:r>
-              <a:rPr lang="pl-PL" sz="1200" dirty="0" err="1"/>
-              <a:t>create</a:t>
-            </a:r>
-            <a:r>
-              <a:rPr lang="pl-PL" sz="1200" dirty="0"/>
-              <a:t> list with </a:t>
-            </a:r>
-            <a:r>
-              <a:rPr lang="pl-PL" sz="1200" dirty="0" err="1"/>
-              <a:t>strain</a:t>
-            </a:r>
-            <a:r>
-              <a:rPr lang="pl-PL" sz="1200" dirty="0"/>
-              <a:t> </a:t>
-            </a:r>
-            <a:r>
-              <a:rPr lang="pl-PL" sz="1200" dirty="0" err="1"/>
-              <a:t>records</a:t>
-            </a:r>
-            <a:endParaRPr lang="pl-PL" sz="1200" dirty="0"/>
-          </a:p>
-        </p:txBody>
-      </p:sp>
-      <p:cxnSp>
-        <p:nvCxnSpPr>
-          <p:cNvPr id="8" name="Łącznik prosty ze strzałką 7">
-            <a:extLst>
-              <a:ext uri="{FF2B5EF4-FFF2-40B4-BE49-F238E27FC236}">
-                <a16:creationId xmlns:a16="http://schemas.microsoft.com/office/drawing/2014/main" id="{4F50743A-6E1F-21F5-CC18-207069B49EA8}"/>
-              </a:ext>
-            </a:extLst>
-          </p:cNvPr>
-          <p:cNvCxnSpPr>
-            <a:cxnSpLocks/>
-            <a:stCxn id="4" idx="0"/>
-            <a:endCxn id="17" idx="2"/>
-          </p:cNvCxnSpPr>
-          <p:nvPr/>
-        </p:nvCxnSpPr>
-        <p:spPr>
-          <a:xfrm flipV="1">
-            <a:off x="1774465" y="2692381"/>
-            <a:ext cx="1206520" cy="489197"/>
-          </a:xfrm>
-          <a:prstGeom prst="straightConnector1">
-            <a:avLst/>
-          </a:prstGeom>
-          <a:ln>
-            <a:tailEnd type="triangle"/>
-          </a:ln>
-        </p:spPr>
-        <p:style>
-          <a:lnRef idx="1">
-            <a:schemeClr val="accent1"/>
-          </a:lnRef>
-          <a:fillRef idx="0">
-            <a:schemeClr val="accent1"/>
-          </a:fillRef>
-          <a:effectRef idx="0">
-            <a:schemeClr val="accent1"/>
-          </a:effectRef>
-          <a:fontRef idx="minor">
-            <a:schemeClr val="tx1"/>
-          </a:fontRef>
-        </p:style>
-      </p:cxnSp>
-      <p:cxnSp>
-        <p:nvCxnSpPr>
-          <p:cNvPr id="9" name="Łącznik prosty ze strzałką 8">
-            <a:extLst>
-              <a:ext uri="{FF2B5EF4-FFF2-40B4-BE49-F238E27FC236}">
-                <a16:creationId xmlns:a16="http://schemas.microsoft.com/office/drawing/2014/main" id="{77D7F75E-BDD6-ACBE-4A0C-9A89BB94AE93}"/>
-              </a:ext>
-            </a:extLst>
-          </p:cNvPr>
-          <p:cNvCxnSpPr>
-            <a:cxnSpLocks/>
-            <a:stCxn id="5" idx="3"/>
-            <a:endCxn id="17" idx="2"/>
-          </p:cNvCxnSpPr>
-          <p:nvPr/>
-        </p:nvCxnSpPr>
-        <p:spPr>
-          <a:xfrm flipH="1" flipV="1">
-            <a:off x="2980985" y="2692381"/>
-            <a:ext cx="124437" cy="1454173"/>
-          </a:xfrm>
-          <a:prstGeom prst="straightConnector1">
-            <a:avLst/>
-          </a:prstGeom>
-          <a:ln>
-            <a:tailEnd type="triangle"/>
-          </a:ln>
-        </p:spPr>
-        <p:style>
-          <a:lnRef idx="1">
-            <a:schemeClr val="accent1"/>
-          </a:lnRef>
-          <a:fillRef idx="0">
-            <a:schemeClr val="accent1"/>
-          </a:fillRef>
-          <a:effectRef idx="0">
-            <a:schemeClr val="accent1"/>
-          </a:effectRef>
-          <a:fontRef idx="minor">
-            <a:schemeClr val="tx1"/>
-          </a:fontRef>
-        </p:style>
-      </p:cxnSp>
-      <p:cxnSp>
-        <p:nvCxnSpPr>
-          <p:cNvPr id="13" name="Łącznik prosty ze strzałką 12">
-            <a:extLst>
-              <a:ext uri="{FF2B5EF4-FFF2-40B4-BE49-F238E27FC236}">
-                <a16:creationId xmlns:a16="http://schemas.microsoft.com/office/drawing/2014/main" id="{24DEFEDE-4B79-202E-15DA-F75A6A17677D}"/>
-              </a:ext>
-            </a:extLst>
-          </p:cNvPr>
-          <p:cNvCxnSpPr>
-            <a:cxnSpLocks/>
-            <a:stCxn id="6" idx="3"/>
-            <a:endCxn id="17" idx="2"/>
-          </p:cNvCxnSpPr>
-          <p:nvPr/>
-        </p:nvCxnSpPr>
-        <p:spPr>
-          <a:xfrm flipH="1" flipV="1">
-            <a:off x="2980985" y="2692381"/>
-            <a:ext cx="561010" cy="2075161"/>
-          </a:xfrm>
-          <a:prstGeom prst="straightConnector1">
-            <a:avLst/>
-          </a:prstGeom>
-          <a:ln>
-            <a:tailEnd type="triangle"/>
-          </a:ln>
-        </p:spPr>
-        <p:style>
-          <a:lnRef idx="1">
-            <a:schemeClr val="accent1"/>
-          </a:lnRef>
-          <a:fillRef idx="0">
-            <a:schemeClr val="accent1"/>
-          </a:fillRef>
-          <a:effectRef idx="0">
-            <a:schemeClr val="accent1"/>
-          </a:effectRef>
-          <a:fontRef idx="minor">
-            <a:schemeClr val="tx1"/>
-          </a:fontRef>
-        </p:style>
-      </p:cxnSp>
-      <p:sp>
-        <p:nvSpPr>
-          <p:cNvPr id="17" name="pole tekstowe 16">
-            <a:extLst>
-              <a:ext uri="{FF2B5EF4-FFF2-40B4-BE49-F238E27FC236}">
-                <a16:creationId xmlns:a16="http://schemas.microsoft.com/office/drawing/2014/main" id="{168E4935-2A8A-B765-1CC5-2F50FB3765F9}"/>
+              <a:rPr lang="pl-PL" sz="6000" dirty="0"/>
+              <a:t>+</a:t>
+            </a:r>
+          </a:p>
+        </p:txBody>
+      </p:sp>
+      <p:sp>
+        <p:nvSpPr>
+          <p:cNvPr id="4" name="pole tekstowe 3">
+            <a:extLst>
+              <a:ext uri="{FF2B5EF4-FFF2-40B4-BE49-F238E27FC236}">
+                <a16:creationId xmlns:a16="http://schemas.microsoft.com/office/drawing/2014/main" id="{D315DF6F-03F3-287E-70B7-0AA867A8921A}"/>
               </a:ext>
             </a:extLst>
           </p:cNvPr>
@@ -3703,197 +3557,33 @@
         </p:nvSpPr>
         <p:spPr>
           <a:xfrm>
-            <a:off x="1774465" y="661056"/>
-            <a:ext cx="2413039" cy="2031325"/>
+            <a:off x="6766374" y="3280152"/>
+            <a:ext cx="803425" cy="1015663"/>
           </a:xfrm>
           <a:prstGeom prst="rect">
             <a:avLst/>
           </a:prstGeom>
           <a:noFill/>
-          <a:ln>
-            <a:solidFill>
-              <a:schemeClr val="accent1"/>
-            </a:solidFill>
-          </a:ln>
-        </p:spPr>
-        <p:txBody>
-          <a:bodyPr wrap="square" rtlCol="0">
+        </p:spPr>
+        <p:txBody>
+          <a:bodyPr wrap="none" rtlCol="0">
             <a:spAutoFit/>
           </a:bodyPr>
           <a:lstStyle/>
           <a:p>
             <a:r>
-              <a:rPr lang="pl-PL" dirty="0"/>
-              <a:t>For </a:t>
-            </a:r>
-            <a:r>
-              <a:rPr lang="pl-PL" dirty="0" err="1"/>
-              <a:t>every</a:t>
-            </a:r>
-            <a:r>
-              <a:rPr lang="pl-PL" dirty="0"/>
-              <a:t> </a:t>
-            </a:r>
-            <a:r>
-              <a:rPr lang="pl-PL" dirty="0" err="1"/>
-              <a:t>sample</a:t>
-            </a:r>
-            <a:r>
-              <a:rPr lang="pl-PL" dirty="0"/>
-              <a:t> from </a:t>
-            </a:r>
-            <a:r>
-              <a:rPr lang="pl-PL" dirty="0" err="1"/>
-              <a:t>samples</a:t>
-            </a:r>
-            <a:r>
-              <a:rPr lang="pl-PL" dirty="0"/>
-              <a:t> a list with </a:t>
-            </a:r>
-            <a:r>
-              <a:rPr lang="pl-PL" dirty="0" err="1"/>
-              <a:t>stress</a:t>
-            </a:r>
-            <a:r>
-              <a:rPr lang="pl-PL" dirty="0"/>
-              <a:t> (</a:t>
-            </a:r>
-            <a:r>
-              <a:rPr lang="pl-PL" dirty="0" err="1"/>
-              <a:t>divide</a:t>
-            </a:r>
-            <a:r>
-              <a:rPr lang="pl-PL" dirty="0"/>
-              <a:t> </a:t>
-            </a:r>
-            <a:r>
-              <a:rPr lang="pl-PL" dirty="0" err="1"/>
-              <a:t>force</a:t>
-            </a:r>
-            <a:r>
-              <a:rPr lang="pl-PL" dirty="0"/>
-              <a:t> by cross </a:t>
-            </a:r>
-            <a:r>
-              <a:rPr lang="pl-PL" dirty="0" err="1"/>
-              <a:t>section</a:t>
-            </a:r>
-            <a:r>
-              <a:rPr lang="pl-PL" dirty="0"/>
-              <a:t>, </a:t>
-            </a:r>
-            <a:r>
-              <a:rPr lang="pl-PL" dirty="0" err="1"/>
-              <a:t>take</a:t>
-            </a:r>
-            <a:r>
-              <a:rPr lang="pl-PL" dirty="0"/>
-              <a:t> </a:t>
-            </a:r>
-            <a:r>
-              <a:rPr lang="pl-PL" dirty="0" err="1"/>
-              <a:t>into</a:t>
-            </a:r>
-            <a:r>
-              <a:rPr lang="pl-PL" dirty="0"/>
-              <a:t> </a:t>
-            </a:r>
-            <a:r>
-              <a:rPr lang="pl-PL" dirty="0" err="1"/>
-              <a:t>account</a:t>
-            </a:r>
-            <a:r>
-              <a:rPr lang="pl-PL" dirty="0"/>
-              <a:t> </a:t>
-            </a:r>
-            <a:r>
-              <a:rPr lang="pl-PL" dirty="0" err="1"/>
-              <a:t>frequency</a:t>
-            </a:r>
-            <a:r>
-              <a:rPr lang="pl-PL" dirty="0"/>
-              <a:t>) and </a:t>
-            </a:r>
-            <a:r>
-              <a:rPr lang="pl-PL" dirty="0" err="1"/>
-              <a:t>strain</a:t>
-            </a:r>
-            <a:r>
-              <a:rPr lang="pl-PL" dirty="0"/>
-              <a:t>, </a:t>
-            </a:r>
-            <a:r>
-              <a:rPr lang="pl-PL" dirty="0" err="1"/>
-              <a:t>save</a:t>
-            </a:r>
-            <a:r>
-              <a:rPr lang="pl-PL" dirty="0"/>
-              <a:t> </a:t>
-            </a:r>
-            <a:r>
-              <a:rPr lang="pl-PL" dirty="0" err="1"/>
-              <a:t>stress-strain</a:t>
-            </a:r>
-            <a:r>
-              <a:rPr lang="pl-PL" dirty="0"/>
-              <a:t> </a:t>
-            </a:r>
-            <a:r>
-              <a:rPr lang="pl-PL" dirty="0" err="1"/>
-              <a:t>curve</a:t>
-            </a:r>
-            <a:endParaRPr lang="pl-PL" dirty="0"/>
-          </a:p>
-        </p:txBody>
-      </p:sp>
-      <p:cxnSp>
-        <p:nvCxnSpPr>
-          <p:cNvPr id="27" name="Łącznik prosty ze strzałką 26">
-            <a:extLst>
-              <a:ext uri="{FF2B5EF4-FFF2-40B4-BE49-F238E27FC236}">
-                <a16:creationId xmlns:a16="http://schemas.microsoft.com/office/drawing/2014/main" id="{88FF3270-4941-D241-242D-A5F684F5D9E8}"/>
-              </a:ext>
-            </a:extLst>
-          </p:cNvPr>
-          <p:cNvCxnSpPr>
-            <a:cxnSpLocks/>
-            <a:stCxn id="17" idx="3"/>
-          </p:cNvCxnSpPr>
-          <p:nvPr/>
-        </p:nvCxnSpPr>
-        <p:spPr>
-          <a:xfrm flipV="1">
-            <a:off x="4187504" y="1538219"/>
-            <a:ext cx="1644341" cy="138500"/>
-          </a:xfrm>
-          <a:prstGeom prst="straightConnector1">
-            <a:avLst/>
-          </a:prstGeom>
-          <a:ln>
-            <a:tailEnd type="triangle"/>
-          </a:ln>
-        </p:spPr>
-        <p:style>
-          <a:lnRef idx="1">
-            <a:schemeClr val="accent1"/>
-          </a:lnRef>
-          <a:fillRef idx="0">
-            <a:schemeClr val="accent1"/>
-          </a:fillRef>
-          <a:effectRef idx="0">
-            <a:schemeClr val="accent1"/>
-          </a:effectRef>
-          <a:fontRef idx="minor">
-            <a:schemeClr val="tx1"/>
-          </a:fontRef>
-        </p:style>
-      </p:cxnSp>
-      <p:sp>
-        <p:nvSpPr>
-          <p:cNvPr id="29" name="pole tekstowe 28">
-            <a:extLst>
-              <a:ext uri="{FF2B5EF4-FFF2-40B4-BE49-F238E27FC236}">
-                <a16:creationId xmlns:a16="http://schemas.microsoft.com/office/drawing/2014/main" id="{77A7EE18-F7FF-C274-FBDF-7E354A40199D}"/>
+              <a:rPr lang="pl-PL" sz="6000" dirty="0"/>
+              <a:t>-&gt;</a:t>
+            </a:r>
+          </a:p>
+        </p:txBody>
+      </p:sp>
+      <p:sp>
+        <p:nvSpPr>
+          <p:cNvPr id="7" name="pole tekstowe 6">
+            <a:extLst>
+              <a:ext uri="{FF2B5EF4-FFF2-40B4-BE49-F238E27FC236}">
+                <a16:creationId xmlns:a16="http://schemas.microsoft.com/office/drawing/2014/main" id="{FE54D738-1EF6-432E-2DB1-14CF73AEBD71}"/>
               </a:ext>
             </a:extLst>
           </p:cNvPr>
@@ -3902,161 +3592,116 @@
         </p:nvSpPr>
         <p:spPr>
           <a:xfrm>
-            <a:off x="5831845" y="626206"/>
-            <a:ext cx="2413039" cy="2308324"/>
+            <a:off x="3905119" y="1556279"/>
+            <a:ext cx="2830518" cy="923330"/>
           </a:xfrm>
           <a:prstGeom prst="rect">
             <a:avLst/>
           </a:prstGeom>
           <a:noFill/>
-          <a:ln>
-            <a:solidFill>
-              <a:schemeClr val="accent1"/>
-            </a:solidFill>
-          </a:ln>
-        </p:spPr>
-        <p:txBody>
-          <a:bodyPr wrap="square" rtlCol="0">
+        </p:spPr>
+        <p:txBody>
+          <a:bodyPr wrap="none" rtlCol="0">
             <a:spAutoFit/>
           </a:bodyPr>
           <a:lstStyle/>
           <a:p>
             <a:r>
               <a:rPr lang="pl-PL" dirty="0"/>
-              <a:t>For </a:t>
+              <a:t>Odkształcenie z systemu DIC</a:t>
+            </a:r>
+          </a:p>
+          <a:p>
+            <a:r>
+              <a:rPr lang="pl-PL" dirty="0"/>
+              <a:t>Digital Image </a:t>
             </a:r>
             <a:r>
               <a:rPr lang="pl-PL" dirty="0" err="1"/>
-              <a:t>each</a:t>
+              <a:t>Correlation</a:t>
             </a:r>
             <a:r>
               <a:rPr lang="pl-PL" dirty="0"/>
               <a:t> </a:t>
             </a:r>
-            <a:r>
-              <a:rPr lang="pl-PL" dirty="0" err="1"/>
-              <a:t>sample</a:t>
-            </a:r>
+          </a:p>
+          <a:p>
             <a:r>
               <a:rPr lang="pl-PL" dirty="0"/>
-              <a:t> </a:t>
-            </a:r>
-            <a:r>
-              <a:rPr lang="pl-PL" dirty="0" err="1"/>
-              <a:t>stress-strain</a:t>
-            </a:r>
+              <a:t>cyfrowa korelacja obrazu</a:t>
+            </a:r>
+          </a:p>
+        </p:txBody>
+      </p:sp>
+      <p:sp>
+        <p:nvSpPr>
+          <p:cNvPr id="9" name="pole tekstowe 8">
+            <a:extLst>
+              <a:ext uri="{FF2B5EF4-FFF2-40B4-BE49-F238E27FC236}">
+                <a16:creationId xmlns:a16="http://schemas.microsoft.com/office/drawing/2014/main" id="{96E32888-09A3-E90E-AAB5-801073FFD708}"/>
+              </a:ext>
+            </a:extLst>
+          </p:cNvPr>
+          <p:cNvSpPr txBox="1"/>
+          <p:nvPr/>
+        </p:nvSpPr>
+        <p:spPr>
+          <a:xfrm>
+            <a:off x="-71022" y="1102738"/>
+            <a:ext cx="3361626" cy="369332"/>
+          </a:xfrm>
+          <a:prstGeom prst="rect">
+            <a:avLst/>
+          </a:prstGeom>
+          <a:noFill/>
+        </p:spPr>
+        <p:txBody>
+          <a:bodyPr wrap="none" rtlCol="0">
+            <a:spAutoFit/>
+          </a:bodyPr>
+          <a:lstStyle/>
+          <a:p>
             <a:r>
               <a:rPr lang="pl-PL" dirty="0"/>
-              <a:t> </a:t>
-            </a:r>
-            <a:r>
-              <a:rPr lang="pl-PL" dirty="0" err="1"/>
-              <a:t>curve</a:t>
-            </a:r>
-            <a:r>
-              <a:rPr lang="pl-PL" dirty="0"/>
-              <a:t> </a:t>
-            </a:r>
-            <a:r>
-              <a:rPr lang="pl-PL" dirty="0" err="1"/>
-              <a:t>calculate</a:t>
-            </a:r>
-            <a:r>
-              <a:rPr lang="pl-PL" dirty="0"/>
-              <a:t> </a:t>
-            </a:r>
-            <a:r>
-              <a:rPr lang="pl-PL" dirty="0" err="1"/>
-              <a:t>parameters</a:t>
-            </a:r>
-            <a:r>
-              <a:rPr lang="pl-PL" dirty="0"/>
-              <a:t> (YS, UTS, Et, Eu) and </a:t>
-            </a:r>
-            <a:r>
-              <a:rPr lang="pl-PL" dirty="0" err="1"/>
-              <a:t>make</a:t>
-            </a:r>
-            <a:r>
-              <a:rPr lang="pl-PL" dirty="0"/>
-              <a:t> a </a:t>
-            </a:r>
-            <a:r>
-              <a:rPr lang="pl-PL" dirty="0" err="1"/>
-              <a:t>graph</a:t>
-            </a:r>
-            <a:r>
-              <a:rPr lang="pl-PL" dirty="0"/>
-              <a:t>. </a:t>
-            </a:r>
-            <a:r>
-              <a:rPr lang="pl-PL" dirty="0" err="1"/>
-              <a:t>Save</a:t>
-            </a:r>
-            <a:r>
-              <a:rPr lang="pl-PL" dirty="0"/>
-              <a:t> </a:t>
-            </a:r>
-            <a:r>
-              <a:rPr lang="pl-PL" dirty="0" err="1"/>
-              <a:t>graph</a:t>
-            </a:r>
-            <a:r>
-              <a:rPr lang="pl-PL" dirty="0"/>
-              <a:t> for </a:t>
-            </a:r>
-            <a:r>
-              <a:rPr lang="pl-PL" dirty="0" err="1"/>
-              <a:t>each</a:t>
-            </a:r>
-            <a:r>
-              <a:rPr lang="pl-PL" dirty="0"/>
-              <a:t> </a:t>
-            </a:r>
-            <a:r>
-              <a:rPr lang="pl-PL" dirty="0" err="1"/>
-              <a:t>sample</a:t>
-            </a:r>
-            <a:r>
-              <a:rPr lang="pl-PL" dirty="0"/>
-              <a:t> and export </a:t>
-            </a:r>
-            <a:r>
-              <a:rPr lang="pl-PL" dirty="0" err="1"/>
-              <a:t>table</a:t>
-            </a:r>
-            <a:r>
-              <a:rPr lang="pl-PL" dirty="0"/>
-              <a:t> with </a:t>
-            </a:r>
-            <a:r>
-              <a:rPr lang="pl-PL" dirty="0" err="1"/>
-              <a:t>parameters</a:t>
-            </a:r>
-            <a:r>
-              <a:rPr lang="pl-PL" dirty="0"/>
-              <a:t> and </a:t>
-            </a:r>
-            <a:r>
-              <a:rPr lang="pl-PL" dirty="0" err="1"/>
-              <a:t>samples</a:t>
-            </a:r>
-            <a:r>
-              <a:rPr lang="pl-PL" dirty="0"/>
-              <a:t> </a:t>
-            </a:r>
-            <a:r>
-              <a:rPr lang="pl-PL" dirty="0" err="1"/>
-              <a:t>names</a:t>
-            </a:r>
-            <a:endParaRPr lang="pl-PL" dirty="0"/>
-          </a:p>
-        </p:txBody>
-      </p:sp>
+              <a:t>Siła z maszyna wytrzymałościowej</a:t>
+            </a:r>
+          </a:p>
+        </p:txBody>
+      </p:sp>
+      <p:pic>
+        <p:nvPicPr>
+          <p:cNvPr id="14" name="Obraz 13">
+            <a:extLst>
+              <a:ext uri="{FF2B5EF4-FFF2-40B4-BE49-F238E27FC236}">
+                <a16:creationId xmlns:a16="http://schemas.microsoft.com/office/drawing/2014/main" id="{4B785E72-CCE3-9955-7BDB-323365954DD2}"/>
+              </a:ext>
+            </a:extLst>
+          </p:cNvPr>
+          <p:cNvPicPr>
+            <a:picLocks noChangeAspect="1"/>
+          </p:cNvPicPr>
+          <p:nvPr/>
+        </p:nvPicPr>
+        <p:blipFill>
+          <a:blip r:embed="rId5"/>
+          <a:stretch>
+            <a:fillRect/>
+          </a:stretch>
+        </p:blipFill>
+        <p:spPr>
+          <a:xfrm>
+            <a:off x="3290604" y="5003914"/>
+            <a:ext cx="2514993" cy="1461415"/>
+          </a:xfrm>
+          <a:prstGeom prst="rect">
+            <a:avLst/>
+          </a:prstGeom>
+        </p:spPr>
+      </p:pic>
     </p:spTree>
     <p:extLst>
       <p:ext uri="{BB962C8B-B14F-4D97-AF65-F5344CB8AC3E}">
-        <p14:creationId xmlns:p14="http://schemas.microsoft.com/office/powerpoint/2010/main" val="2807563519"/>
+        <p14:creationId xmlns:p14="http://schemas.microsoft.com/office/powerpoint/2010/main" val="2175615340"/>
       </p:ext>
     </p:extLst>
   </p:cSld>
@@ -4083,209 +3728,71 @@
           <a:chExt cx="0" cy="0"/>
         </a:xfrm>
       </p:grpSpPr>
-      <p:sp>
-        <p:nvSpPr>
-          <p:cNvPr id="2" name="pole tekstowe 1">
-            <a:extLst>
-              <a:ext uri="{FF2B5EF4-FFF2-40B4-BE49-F238E27FC236}">
-                <a16:creationId xmlns:a16="http://schemas.microsoft.com/office/drawing/2014/main" id="{3FE191F8-F74B-75E4-3B6A-4F7B7F2BC92B}"/>
-              </a:ext>
-            </a:extLst>
-          </p:cNvPr>
-          <p:cNvSpPr txBox="1"/>
+      <p:pic>
+        <p:nvPicPr>
+          <p:cNvPr id="3" name="Obraz 2">
+            <a:extLst>
+              <a:ext uri="{FF2B5EF4-FFF2-40B4-BE49-F238E27FC236}">
+                <a16:creationId xmlns:a16="http://schemas.microsoft.com/office/drawing/2014/main" id="{077377CD-49E4-B41D-68CB-0E4D65EB25E4}"/>
+              </a:ext>
+            </a:extLst>
+          </p:cNvPr>
+          <p:cNvPicPr>
+            <a:picLocks noChangeAspect="1"/>
+          </p:cNvPicPr>
           <p:nvPr/>
-        </p:nvSpPr>
-        <p:spPr>
-          <a:xfrm>
-            <a:off x="656948" y="355107"/>
-            <a:ext cx="4211794" cy="923330"/>
+        </p:nvPicPr>
+        <p:blipFill rotWithShape="1">
+          <a:blip r:embed="rId2"/>
+          <a:srcRect r="20112"/>
+          <a:stretch/>
+        </p:blipFill>
+        <p:spPr>
+          <a:xfrm>
+            <a:off x="189199" y="4783368"/>
+            <a:ext cx="1918114" cy="1259553"/>
           </a:xfrm>
           <a:prstGeom prst="rect">
             <a:avLst/>
           </a:prstGeom>
-          <a:noFill/>
-        </p:spPr>
-        <p:txBody>
-          <a:bodyPr wrap="none" rtlCol="0">
-            <a:spAutoFit/>
-          </a:bodyPr>
-          <a:lstStyle/>
-          <a:p>
-            <a:r>
-              <a:rPr lang="pl-PL" b="1" dirty="0" err="1"/>
-              <a:t>Main</a:t>
-            </a:r>
-            <a:r>
-              <a:rPr lang="pl-PL" b="1" dirty="0"/>
-              <a:t> </a:t>
-            </a:r>
-            <a:r>
-              <a:rPr lang="pl-PL" dirty="0"/>
-              <a:t> - </a:t>
-            </a:r>
-            <a:r>
-              <a:rPr lang="pl-PL" dirty="0" err="1"/>
-              <a:t>input</a:t>
-            </a:r>
-            <a:r>
-              <a:rPr lang="pl-PL" dirty="0"/>
-              <a:t> - </a:t>
-            </a:r>
-            <a:r>
-              <a:rPr lang="pl-PL" dirty="0" err="1"/>
-              <a:t>sample</a:t>
-            </a:r>
-            <a:r>
-              <a:rPr lang="pl-PL" dirty="0"/>
-              <a:t> list in </a:t>
-            </a:r>
-            <a:r>
-              <a:rPr lang="pl-PL" dirty="0" err="1"/>
-              <a:t>csv</a:t>
-            </a:r>
-            <a:r>
-              <a:rPr lang="pl-PL" dirty="0"/>
-              <a:t>  (</a:t>
-            </a:r>
-            <a:r>
-              <a:rPr lang="pl-PL" dirty="0" err="1"/>
-              <a:t>name</a:t>
-            </a:r>
-            <a:r>
-              <a:rPr lang="pl-PL" dirty="0"/>
-              <a:t>, </a:t>
-            </a:r>
-            <a:r>
-              <a:rPr lang="pl-PL" dirty="0" err="1"/>
-              <a:t>cs</a:t>
-            </a:r>
-            <a:r>
-              <a:rPr lang="pl-PL" dirty="0"/>
-              <a:t>)</a:t>
-            </a:r>
-          </a:p>
-          <a:p>
-            <a:r>
-              <a:rPr lang="pl-PL" dirty="0"/>
-              <a:t>	- </a:t>
-            </a:r>
-            <a:r>
-              <a:rPr lang="pl-PL" dirty="0" err="1"/>
-              <a:t>input</a:t>
-            </a:r>
-            <a:r>
-              <a:rPr lang="pl-PL" dirty="0"/>
-              <a:t> – DIC </a:t>
-            </a:r>
-            <a:r>
-              <a:rPr lang="pl-PL" dirty="0" err="1"/>
-              <a:t>frequency</a:t>
-            </a:r>
-            <a:endParaRPr lang="pl-PL" dirty="0"/>
-          </a:p>
-          <a:p>
-            <a:r>
-              <a:rPr lang="pl-PL" dirty="0"/>
-              <a:t>-</a:t>
-            </a:r>
-            <a:r>
-              <a:rPr lang="pl-PL" dirty="0" err="1"/>
-              <a:t>creates</a:t>
-            </a:r>
-            <a:r>
-              <a:rPr lang="pl-PL" dirty="0"/>
-              <a:t> </a:t>
-            </a:r>
-            <a:r>
-              <a:rPr lang="pl-PL" dirty="0" err="1"/>
-              <a:t>table</a:t>
-            </a:r>
-            <a:r>
-              <a:rPr lang="pl-PL" dirty="0"/>
-              <a:t> with </a:t>
-            </a:r>
-            <a:r>
-              <a:rPr lang="pl-PL" dirty="0" err="1"/>
-              <a:t>parameters</a:t>
-            </a:r>
-            <a:endParaRPr lang="pl-PL" dirty="0"/>
-          </a:p>
-        </p:txBody>
-      </p:sp>
-      <p:sp>
-        <p:nvSpPr>
-          <p:cNvPr id="3" name="pole tekstowe 2">
-            <a:extLst>
-              <a:ext uri="{FF2B5EF4-FFF2-40B4-BE49-F238E27FC236}">
-                <a16:creationId xmlns:a16="http://schemas.microsoft.com/office/drawing/2014/main" id="{01F8CA7B-261E-FDFF-B353-083405107C5A}"/>
-              </a:ext>
-            </a:extLst>
-          </p:cNvPr>
-          <p:cNvSpPr txBox="1"/>
+        </p:spPr>
+      </p:pic>
+      <p:pic>
+        <p:nvPicPr>
+          <p:cNvPr id="5" name="Obraz 4">
+            <a:extLst>
+              <a:ext uri="{FF2B5EF4-FFF2-40B4-BE49-F238E27FC236}">
+                <a16:creationId xmlns:a16="http://schemas.microsoft.com/office/drawing/2014/main" id="{10A10947-E55D-8605-4090-D7ABE07615FA}"/>
+              </a:ext>
+            </a:extLst>
+          </p:cNvPr>
+          <p:cNvPicPr>
+            <a:picLocks noChangeAspect="1"/>
+          </p:cNvPicPr>
           <p:nvPr/>
-        </p:nvSpPr>
-        <p:spPr>
-          <a:xfrm>
-            <a:off x="5191261" y="388879"/>
-            <a:ext cx="2985113" cy="369332"/>
+        </p:nvPicPr>
+        <p:blipFill>
+          <a:blip r:embed="rId3"/>
+          <a:stretch>
+            <a:fillRect/>
+          </a:stretch>
+        </p:blipFill>
+        <p:spPr>
+          <a:xfrm>
+            <a:off x="286446" y="2684972"/>
+            <a:ext cx="967666" cy="1461340"/>
           </a:xfrm>
           <a:prstGeom prst="rect">
             <a:avLst/>
           </a:prstGeom>
-          <a:noFill/>
-        </p:spPr>
-        <p:txBody>
-          <a:bodyPr wrap="none" rtlCol="0">
-            <a:spAutoFit/>
-          </a:bodyPr>
-          <a:lstStyle/>
-          <a:p>
-            <a:r>
-              <a:rPr lang="pl-PL" b="1" dirty="0"/>
-              <a:t>Open </a:t>
-            </a:r>
-            <a:r>
-              <a:rPr lang="pl-PL" b="1" dirty="0" err="1"/>
-              <a:t>samples</a:t>
-            </a:r>
-            <a:r>
-              <a:rPr lang="pl-PL" b="1" dirty="0"/>
-              <a:t> </a:t>
-            </a:r>
-            <a:r>
-              <a:rPr lang="pl-PL" dirty="0"/>
-              <a:t>-&gt;</a:t>
-            </a:r>
-            <a:r>
-              <a:rPr lang="pl-PL" dirty="0" err="1"/>
-              <a:t>name</a:t>
-            </a:r>
-            <a:r>
-              <a:rPr lang="pl-PL" dirty="0"/>
-              <a:t>, </a:t>
-            </a:r>
-            <a:r>
-              <a:rPr lang="pl-PL" dirty="0" err="1"/>
-              <a:t>cs</a:t>
-            </a:r>
-            <a:r>
-              <a:rPr lang="pl-PL" dirty="0"/>
-              <a:t> </a:t>
-            </a:r>
-            <a:r>
-              <a:rPr lang="pl-PL" dirty="0" err="1"/>
-              <a:t>dict</a:t>
-            </a:r>
-            <a:endParaRPr lang="pl-PL" dirty="0"/>
-          </a:p>
-        </p:txBody>
-      </p:sp>
+        </p:spPr>
+      </p:pic>
       <p:cxnSp>
         <p:nvCxnSpPr>
-          <p:cNvPr id="5" name="Łącznik prosty ze strzałką 4">
-            <a:extLst>
-              <a:ext uri="{FF2B5EF4-FFF2-40B4-BE49-F238E27FC236}">
-                <a16:creationId xmlns:a16="http://schemas.microsoft.com/office/drawing/2014/main" id="{9C60DEC2-F76C-990E-5DF5-AF8F82C47F6E}"/>
+          <p:cNvPr id="8" name="Łącznik prosty ze strzałką 7">
+            <a:extLst>
+              <a:ext uri="{FF2B5EF4-FFF2-40B4-BE49-F238E27FC236}">
+                <a16:creationId xmlns:a16="http://schemas.microsoft.com/office/drawing/2014/main" id="{61454FFF-6127-3BAC-781E-3DE092617150}"/>
               </a:ext>
             </a:extLst>
           </p:cNvPr>
@@ -4296,13 +3803,13 @@
         </p:nvCxnSpPr>
         <p:spPr>
           <a:xfrm>
-            <a:off x="4042444" y="409885"/>
-            <a:ext cx="1239770" cy="90283"/>
+            <a:off x="1338587" y="3429000"/>
+            <a:ext cx="648070" cy="0"/>
           </a:xfrm>
           <a:prstGeom prst="straightConnector1">
             <a:avLst/>
           </a:prstGeom>
-          <a:ln>
+          <a:ln w="57150">
             <a:tailEnd type="triangle"/>
           </a:ln>
         </p:spPr>
@@ -4323,10 +3830,10 @@
       </p:cxnSp>
       <p:sp>
         <p:nvSpPr>
-          <p:cNvPr id="7" name="pole tekstowe 6">
-            <a:extLst>
-              <a:ext uri="{FF2B5EF4-FFF2-40B4-BE49-F238E27FC236}">
-                <a16:creationId xmlns:a16="http://schemas.microsoft.com/office/drawing/2014/main" id="{498B3A63-BA64-8953-88C7-ED5741EEF75E}"/>
+          <p:cNvPr id="10" name="pole tekstowe 9">
+            <a:extLst>
+              <a:ext uri="{FF2B5EF4-FFF2-40B4-BE49-F238E27FC236}">
+                <a16:creationId xmlns:a16="http://schemas.microsoft.com/office/drawing/2014/main" id="{A1CDB6CA-BA62-36C5-EE38-E2D2C4ABC5BC}"/>
               </a:ext>
             </a:extLst>
           </p:cNvPr>
@@ -4335,8 +3842,8 @@
         </p:nvSpPr>
         <p:spPr>
           <a:xfrm>
-            <a:off x="4960442" y="1171852"/>
-            <a:ext cx="2563715" cy="369332"/>
+            <a:off x="6239751" y="3317939"/>
+            <a:ext cx="1248162" cy="369332"/>
           </a:xfrm>
           <a:prstGeom prst="rect">
             <a:avLst/>
@@ -4350,30 +3857,19 @@
           <a:lstStyle/>
           <a:p>
             <a:r>
-              <a:rPr lang="pl-PL" b="1" dirty="0"/>
-              <a:t>Open </a:t>
-            </a:r>
-            <a:r>
-              <a:rPr lang="pl-PL" b="1" dirty="0" err="1"/>
-              <a:t>strain</a:t>
-            </a:r>
-            <a:r>
-              <a:rPr lang="pl-PL" b="1" dirty="0"/>
-              <a:t> </a:t>
-            </a:r>
-            <a:r>
-              <a:rPr lang="pl-PL" dirty="0"/>
-              <a:t>-&gt; epsilon list</a:t>
-            </a:r>
+              <a:rPr lang="pl-PL" dirty="0" err="1"/>
+              <a:t>probka.TRA</a:t>
+            </a:r>
+            <a:endParaRPr lang="pl-PL" dirty="0"/>
           </a:p>
         </p:txBody>
       </p:sp>
       <p:cxnSp>
         <p:nvCxnSpPr>
-          <p:cNvPr id="10" name="Łącznik prosty ze strzałką 9">
-            <a:extLst>
-              <a:ext uri="{FF2B5EF4-FFF2-40B4-BE49-F238E27FC236}">
-                <a16:creationId xmlns:a16="http://schemas.microsoft.com/office/drawing/2014/main" id="{C09E78A8-CCFD-58EE-DBAE-143DBEFCA85C}"/>
+          <p:cNvPr id="11" name="Łącznik prosty ze strzałką 10">
+            <a:extLst>
+              <a:ext uri="{FF2B5EF4-FFF2-40B4-BE49-F238E27FC236}">
+                <a16:creationId xmlns:a16="http://schemas.microsoft.com/office/drawing/2014/main" id="{43811766-7ADF-BD0B-109A-F2C6EA5E36D8}"/>
               </a:ext>
             </a:extLst>
           </p:cNvPr>
@@ -4384,13 +3880,267 @@
         </p:nvCxnSpPr>
         <p:spPr>
           <a:xfrm>
-            <a:off x="4085209" y="573545"/>
-            <a:ext cx="717611" cy="598307"/>
+            <a:off x="2195106" y="5581310"/>
+            <a:ext cx="574949" cy="0"/>
           </a:xfrm>
           <a:prstGeom prst="straightConnector1">
             <a:avLst/>
           </a:prstGeom>
-          <a:ln>
+          <a:ln w="57150">
+            <a:tailEnd type="triangle"/>
+          </a:ln>
+        </p:spPr>
+        <p:style>
+          <a:lnRef idx="1">
+            <a:schemeClr val="accent1"/>
+          </a:lnRef>
+          <a:fillRef idx="0">
+            <a:schemeClr val="accent1"/>
+          </a:fillRef>
+          <a:effectRef idx="0">
+            <a:schemeClr val="accent1"/>
+          </a:effectRef>
+          <a:fontRef idx="minor">
+            <a:schemeClr val="tx1"/>
+          </a:fontRef>
+        </p:style>
+      </p:cxnSp>
+      <p:sp>
+        <p:nvSpPr>
+          <p:cNvPr id="12" name="pole tekstowe 11">
+            <a:extLst>
+              <a:ext uri="{FF2B5EF4-FFF2-40B4-BE49-F238E27FC236}">
+                <a16:creationId xmlns:a16="http://schemas.microsoft.com/office/drawing/2014/main" id="{56AE4C18-7573-B75F-F444-C0914207BD88}"/>
+              </a:ext>
+            </a:extLst>
+          </p:cNvPr>
+          <p:cNvSpPr txBox="1"/>
+          <p:nvPr/>
+        </p:nvSpPr>
+        <p:spPr>
+          <a:xfrm>
+            <a:off x="5405221" y="5238825"/>
+            <a:ext cx="2295757" cy="646331"/>
+          </a:xfrm>
+          <a:prstGeom prst="rect">
+            <a:avLst/>
+          </a:prstGeom>
+          <a:noFill/>
+        </p:spPr>
+        <p:txBody>
+          <a:bodyPr wrap="none" rtlCol="0">
+            <a:spAutoFit/>
+          </a:bodyPr>
+          <a:lstStyle/>
+          <a:p>
+            <a:r>
+              <a:rPr lang="pl-PL" dirty="0"/>
+              <a:t>Współrzędne punktów</a:t>
+            </a:r>
+          </a:p>
+          <a:p>
+            <a:r>
+              <a:rPr lang="pl-PL" dirty="0"/>
+              <a:t>probka.csv</a:t>
+            </a:r>
+          </a:p>
+        </p:txBody>
+      </p:sp>
+      <p:pic>
+        <p:nvPicPr>
+          <p:cNvPr id="24" name="Obraz 23">
+            <a:extLst>
+              <a:ext uri="{FF2B5EF4-FFF2-40B4-BE49-F238E27FC236}">
+                <a16:creationId xmlns:a16="http://schemas.microsoft.com/office/drawing/2014/main" id="{939F04E5-512D-06FE-96B9-EF2A5455379C}"/>
+              </a:ext>
+            </a:extLst>
+          </p:cNvPr>
+          <p:cNvPicPr>
+            <a:picLocks noChangeAspect="1"/>
+          </p:cNvPicPr>
+          <p:nvPr/>
+        </p:nvPicPr>
+        <p:blipFill>
+          <a:blip r:embed="rId4"/>
+          <a:stretch>
+            <a:fillRect/>
+          </a:stretch>
+        </p:blipFill>
+        <p:spPr>
+          <a:xfrm>
+            <a:off x="2530608" y="72460"/>
+            <a:ext cx="1676801" cy="2379767"/>
+          </a:xfrm>
+          <a:prstGeom prst="rect">
+            <a:avLst/>
+          </a:prstGeom>
+        </p:spPr>
+      </p:pic>
+      <p:cxnSp>
+        <p:nvCxnSpPr>
+          <p:cNvPr id="25" name="Łącznik prosty ze strzałką 24">
+            <a:extLst>
+              <a:ext uri="{FF2B5EF4-FFF2-40B4-BE49-F238E27FC236}">
+                <a16:creationId xmlns:a16="http://schemas.microsoft.com/office/drawing/2014/main" id="{DF19DB40-8923-4C13-10A9-8EA2C691384A}"/>
+              </a:ext>
+            </a:extLst>
+          </p:cNvPr>
+          <p:cNvCxnSpPr>
+            <a:cxnSpLocks/>
+          </p:cNvCxnSpPr>
+          <p:nvPr/>
+        </p:nvCxnSpPr>
+        <p:spPr>
+          <a:xfrm>
+            <a:off x="4718550" y="1423900"/>
+            <a:ext cx="648070" cy="0"/>
+          </a:xfrm>
+          <a:prstGeom prst="straightConnector1">
+            <a:avLst/>
+          </a:prstGeom>
+          <a:ln w="57150">
+            <a:tailEnd type="triangle"/>
+          </a:ln>
+        </p:spPr>
+        <p:style>
+          <a:lnRef idx="1">
+            <a:schemeClr val="accent1"/>
+          </a:lnRef>
+          <a:fillRef idx="0">
+            <a:schemeClr val="accent1"/>
+          </a:fillRef>
+          <a:effectRef idx="0">
+            <a:schemeClr val="accent1"/>
+          </a:effectRef>
+          <a:fontRef idx="minor">
+            <a:schemeClr val="tx1"/>
+          </a:fontRef>
+        </p:style>
+      </p:cxnSp>
+      <p:sp>
+        <p:nvSpPr>
+          <p:cNvPr id="26" name="pole tekstowe 25">
+            <a:extLst>
+              <a:ext uri="{FF2B5EF4-FFF2-40B4-BE49-F238E27FC236}">
+                <a16:creationId xmlns:a16="http://schemas.microsoft.com/office/drawing/2014/main" id="{035D9B32-3E1E-4E90-6318-7ED2652694BE}"/>
+              </a:ext>
+            </a:extLst>
+          </p:cNvPr>
+          <p:cNvSpPr txBox="1"/>
+          <p:nvPr/>
+        </p:nvSpPr>
+        <p:spPr>
+          <a:xfrm>
+            <a:off x="5366620" y="1100735"/>
+            <a:ext cx="2560637" cy="646331"/>
+          </a:xfrm>
+          <a:prstGeom prst="rect">
+            <a:avLst/>
+          </a:prstGeom>
+          <a:noFill/>
+        </p:spPr>
+        <p:txBody>
+          <a:bodyPr wrap="none" rtlCol="0">
+            <a:spAutoFit/>
+          </a:bodyPr>
+          <a:lstStyle/>
+          <a:p>
+            <a:r>
+              <a:rPr lang="pl-PL" dirty="0"/>
+              <a:t>Lista próbek z wymiarami</a:t>
+            </a:r>
+          </a:p>
+          <a:p>
+            <a:r>
+              <a:rPr lang="pl-PL" dirty="0"/>
+              <a:t>lista.csv</a:t>
+            </a:r>
+          </a:p>
+        </p:txBody>
+      </p:sp>
+      <p:pic>
+        <p:nvPicPr>
+          <p:cNvPr id="28" name="Obraz 27">
+            <a:extLst>
+              <a:ext uri="{FF2B5EF4-FFF2-40B4-BE49-F238E27FC236}">
+                <a16:creationId xmlns:a16="http://schemas.microsoft.com/office/drawing/2014/main" id="{25D7FB8B-91DC-C8EF-D861-B2288809AB69}"/>
+              </a:ext>
+            </a:extLst>
+          </p:cNvPr>
+          <p:cNvPicPr>
+            <a:picLocks noChangeAspect="1"/>
+          </p:cNvPicPr>
+          <p:nvPr/>
+        </p:nvPicPr>
+        <p:blipFill>
+          <a:blip r:embed="rId5"/>
+          <a:stretch>
+            <a:fillRect/>
+          </a:stretch>
+        </p:blipFill>
+        <p:spPr>
+          <a:xfrm>
+            <a:off x="2982304" y="4532084"/>
+            <a:ext cx="2295757" cy="2253456"/>
+          </a:xfrm>
+          <a:prstGeom prst="rect">
+            <a:avLst/>
+          </a:prstGeom>
+        </p:spPr>
+      </p:pic>
+      <p:pic>
+        <p:nvPicPr>
+          <p:cNvPr id="30" name="Obraz 29">
+            <a:extLst>
+              <a:ext uri="{FF2B5EF4-FFF2-40B4-BE49-F238E27FC236}">
+                <a16:creationId xmlns:a16="http://schemas.microsoft.com/office/drawing/2014/main" id="{6F516435-C8F1-9277-1226-FC1FA4B6FDC9}"/>
+              </a:ext>
+            </a:extLst>
+          </p:cNvPr>
+          <p:cNvPicPr>
+            <a:picLocks noChangeAspect="1"/>
+          </p:cNvPicPr>
+          <p:nvPr/>
+        </p:nvPicPr>
+        <p:blipFill>
+          <a:blip r:embed="rId6"/>
+          <a:stretch>
+            <a:fillRect/>
+          </a:stretch>
+        </p:blipFill>
+        <p:spPr>
+          <a:xfrm>
+            <a:off x="2388268" y="2684972"/>
+            <a:ext cx="3851483" cy="1635267"/>
+          </a:xfrm>
+          <a:prstGeom prst="rect">
+            <a:avLst/>
+          </a:prstGeom>
+        </p:spPr>
+      </p:pic>
+      <p:cxnSp>
+        <p:nvCxnSpPr>
+          <p:cNvPr id="31" name="Łącznik prosty ze strzałką 30">
+            <a:extLst>
+              <a:ext uri="{FF2B5EF4-FFF2-40B4-BE49-F238E27FC236}">
+                <a16:creationId xmlns:a16="http://schemas.microsoft.com/office/drawing/2014/main" id="{E889E10A-2F47-E3AC-66B5-CC9C7046EC25}"/>
+              </a:ext>
+            </a:extLst>
+          </p:cNvPr>
+          <p:cNvCxnSpPr>
+            <a:cxnSpLocks/>
+          </p:cNvCxnSpPr>
+          <p:nvPr/>
+        </p:nvCxnSpPr>
+        <p:spPr>
+          <a:xfrm>
+            <a:off x="7971946" y="3780278"/>
+            <a:ext cx="648070" cy="0"/>
+          </a:xfrm>
+          <a:prstGeom prst="straightConnector1">
+            <a:avLst/>
+          </a:prstGeom>
+          <a:ln w="57150">
             <a:tailEnd type="triangle"/>
           </a:ln>
         </p:spPr>
@@ -4411,10 +4161,10 @@
       </p:cxnSp>
       <p:cxnSp>
         <p:nvCxnSpPr>
-          <p:cNvPr id="13" name="Łącznik prosty ze strzałką 12">
-            <a:extLst>
-              <a:ext uri="{FF2B5EF4-FFF2-40B4-BE49-F238E27FC236}">
-                <a16:creationId xmlns:a16="http://schemas.microsoft.com/office/drawing/2014/main" id="{BCD7F80C-2E7E-5B31-3D09-44FA47113B30}"/>
+          <p:cNvPr id="32" name="Łącznik prosty ze strzałką 31">
+            <a:extLst>
+              <a:ext uri="{FF2B5EF4-FFF2-40B4-BE49-F238E27FC236}">
+                <a16:creationId xmlns:a16="http://schemas.microsoft.com/office/drawing/2014/main" id="{55400047-A4DE-F909-39A3-7C6A0BEEAF6D}"/>
               </a:ext>
             </a:extLst>
           </p:cNvPr>
@@ -4425,109 +4175,13 @@
         </p:nvCxnSpPr>
         <p:spPr>
           <a:xfrm>
-            <a:off x="4085209" y="573545"/>
-            <a:ext cx="580421" cy="1503830"/>
+            <a:off x="8043816" y="5658811"/>
+            <a:ext cx="574949" cy="0"/>
           </a:xfrm>
           <a:prstGeom prst="straightConnector1">
             <a:avLst/>
           </a:prstGeom>
-          <a:ln>
-            <a:tailEnd type="triangle"/>
-          </a:ln>
-        </p:spPr>
-        <p:style>
-          <a:lnRef idx="1">
-            <a:schemeClr val="accent1"/>
-          </a:lnRef>
-          <a:fillRef idx="0">
-            <a:schemeClr val="accent1"/>
-          </a:fillRef>
-          <a:effectRef idx="0">
-            <a:schemeClr val="accent1"/>
-          </a:effectRef>
-          <a:fontRef idx="minor">
-            <a:schemeClr val="tx1"/>
-          </a:fontRef>
-        </p:style>
-      </p:cxnSp>
-      <p:sp>
-        <p:nvSpPr>
-          <p:cNvPr id="16" name="pole tekstowe 15">
-            <a:extLst>
-              <a:ext uri="{FF2B5EF4-FFF2-40B4-BE49-F238E27FC236}">
-                <a16:creationId xmlns:a16="http://schemas.microsoft.com/office/drawing/2014/main" id="{0138DC00-BC12-1B59-4DB9-058AAC80193B}"/>
-              </a:ext>
-            </a:extLst>
-          </p:cNvPr>
-          <p:cNvSpPr txBox="1"/>
-          <p:nvPr/>
-        </p:nvSpPr>
-        <p:spPr>
-          <a:xfrm>
-            <a:off x="4935106" y="1954825"/>
-            <a:ext cx="2371290" cy="369332"/>
-          </a:xfrm>
-          <a:prstGeom prst="rect">
-            <a:avLst/>
-          </a:prstGeom>
-          <a:noFill/>
-        </p:spPr>
-        <p:txBody>
-          <a:bodyPr wrap="none" rtlCol="0">
-            <a:spAutoFit/>
-          </a:bodyPr>
-          <a:lstStyle/>
-          <a:p>
-            <a:r>
-              <a:rPr lang="pl-PL" b="1" dirty="0"/>
-              <a:t>Open </a:t>
-            </a:r>
-            <a:r>
-              <a:rPr lang="pl-PL" b="1" dirty="0" err="1"/>
-              <a:t>force</a:t>
-            </a:r>
-            <a:r>
-              <a:rPr lang="pl-PL" b="1" dirty="0"/>
-              <a:t>  </a:t>
-            </a:r>
-            <a:r>
-              <a:rPr lang="pl-PL" dirty="0"/>
-              <a:t>-&gt; </a:t>
-            </a:r>
-            <a:r>
-              <a:rPr lang="pl-PL" dirty="0" err="1"/>
-              <a:t>force</a:t>
-            </a:r>
-            <a:r>
-              <a:rPr lang="pl-PL" dirty="0"/>
-              <a:t> list</a:t>
-            </a:r>
-          </a:p>
-        </p:txBody>
-      </p:sp>
-      <p:cxnSp>
-        <p:nvCxnSpPr>
-          <p:cNvPr id="18" name="Łącznik prosty ze strzałką 17">
-            <a:extLst>
-              <a:ext uri="{FF2B5EF4-FFF2-40B4-BE49-F238E27FC236}">
-                <a16:creationId xmlns:a16="http://schemas.microsoft.com/office/drawing/2014/main" id="{59C3FEFB-4157-213B-CE58-0DEC6E4F32D5}"/>
-              </a:ext>
-            </a:extLst>
-          </p:cNvPr>
-          <p:cNvCxnSpPr>
-            <a:stCxn id="7" idx="3"/>
-          </p:cNvCxnSpPr>
-          <p:nvPr/>
-        </p:nvCxnSpPr>
-        <p:spPr>
-          <a:xfrm>
-            <a:off x="7524157" y="1356518"/>
-            <a:ext cx="918507" cy="374628"/>
-          </a:xfrm>
-          <a:prstGeom prst="straightConnector1">
-            <a:avLst/>
-          </a:prstGeom>
-          <a:ln>
+          <a:ln w="57150">
             <a:tailEnd type="triangle"/>
           </a:ln>
         </p:spPr>
@@ -4548,28 +4202,27 @@
       </p:cxnSp>
       <p:cxnSp>
         <p:nvCxnSpPr>
-          <p:cNvPr id="19" name="Łącznik prosty ze strzałką 18">
-            <a:extLst>
-              <a:ext uri="{FF2B5EF4-FFF2-40B4-BE49-F238E27FC236}">
-                <a16:creationId xmlns:a16="http://schemas.microsoft.com/office/drawing/2014/main" id="{21872377-5CBC-F040-E806-FB0A46DEBCA5}"/>
+          <p:cNvPr id="33" name="Łącznik prosty ze strzałką 32">
+            <a:extLst>
+              <a:ext uri="{FF2B5EF4-FFF2-40B4-BE49-F238E27FC236}">
+                <a16:creationId xmlns:a16="http://schemas.microsoft.com/office/drawing/2014/main" id="{E8283E90-2B14-C26B-7A70-419CBCE668BE}"/>
               </a:ext>
             </a:extLst>
           </p:cNvPr>
           <p:cNvCxnSpPr>
             <a:cxnSpLocks/>
-            <a:stCxn id="16" idx="3"/>
           </p:cNvCxnSpPr>
           <p:nvPr/>
         </p:nvCxnSpPr>
         <p:spPr>
-          <a:xfrm flipV="1">
-            <a:off x="7306396" y="1725850"/>
-            <a:ext cx="1136268" cy="413641"/>
+          <a:xfrm>
+            <a:off x="8082429" y="1390086"/>
+            <a:ext cx="648070" cy="0"/>
           </a:xfrm>
           <a:prstGeom prst="straightConnector1">
             <a:avLst/>
           </a:prstGeom>
-          <a:ln>
+          <a:ln w="57150">
             <a:tailEnd type="triangle"/>
           </a:ln>
         </p:spPr>
@@ -4588,12 +4241,203 @@
           </a:fontRef>
         </p:style>
       </p:cxnSp>
+      <p:sp>
+        <p:nvSpPr>
+          <p:cNvPr id="34" name="Prostokąt 33">
+            <a:extLst>
+              <a:ext uri="{FF2B5EF4-FFF2-40B4-BE49-F238E27FC236}">
+                <a16:creationId xmlns:a16="http://schemas.microsoft.com/office/drawing/2014/main" id="{318DF428-D719-46B7-7081-AEAECBD2D818}"/>
+              </a:ext>
+            </a:extLst>
+          </p:cNvPr>
+          <p:cNvSpPr/>
+          <p:nvPr/>
+        </p:nvSpPr>
+        <p:spPr>
+          <a:xfrm>
+            <a:off x="8949539" y="847143"/>
+            <a:ext cx="2805343" cy="1047565"/>
+          </a:xfrm>
+          <a:prstGeom prst="rect">
+            <a:avLst/>
+          </a:prstGeom>
+          <a:noFill/>
+        </p:spPr>
+        <p:style>
+          <a:lnRef idx="2">
+            <a:schemeClr val="accent1">
+              <a:shade val="50000"/>
+            </a:schemeClr>
+          </a:lnRef>
+          <a:fillRef idx="1">
+            <a:schemeClr val="accent1"/>
+          </a:fillRef>
+          <a:effectRef idx="0">
+            <a:schemeClr val="accent1"/>
+          </a:effectRef>
+          <a:fontRef idx="minor">
+            <a:schemeClr val="lt1"/>
+          </a:fontRef>
+        </p:style>
+        <p:txBody>
+          <a:bodyPr rtlCol="0" anchor="ctr"/>
+          <a:lstStyle/>
+          <a:p>
+            <a:pPr algn="ctr"/>
+            <a:r>
+              <a:rPr lang="pl-PL" dirty="0">
+                <a:solidFill>
+                  <a:schemeClr val="tx1"/>
+                </a:solidFill>
+              </a:rPr>
+              <a:t>Nazwa próbki, przekrój</a:t>
+            </a:r>
+          </a:p>
+        </p:txBody>
+      </p:sp>
+      <p:sp>
+        <p:nvSpPr>
+          <p:cNvPr id="35" name="Prostokąt 34">
+            <a:extLst>
+              <a:ext uri="{FF2B5EF4-FFF2-40B4-BE49-F238E27FC236}">
+                <a16:creationId xmlns:a16="http://schemas.microsoft.com/office/drawing/2014/main" id="{7E1EF49F-8164-9F55-EAD1-6213F03535ED}"/>
+              </a:ext>
+            </a:extLst>
+          </p:cNvPr>
+          <p:cNvSpPr/>
+          <p:nvPr/>
+        </p:nvSpPr>
+        <p:spPr>
+          <a:xfrm>
+            <a:off x="8949539" y="3163488"/>
+            <a:ext cx="2805343" cy="1047565"/>
+          </a:xfrm>
+          <a:prstGeom prst="rect">
+            <a:avLst/>
+          </a:prstGeom>
+          <a:noFill/>
+        </p:spPr>
+        <p:style>
+          <a:lnRef idx="2">
+            <a:schemeClr val="accent1">
+              <a:shade val="50000"/>
+            </a:schemeClr>
+          </a:lnRef>
+          <a:fillRef idx="1">
+            <a:schemeClr val="accent1"/>
+          </a:fillRef>
+          <a:effectRef idx="0">
+            <a:schemeClr val="accent1"/>
+          </a:effectRef>
+          <a:fontRef idx="minor">
+            <a:schemeClr val="lt1"/>
+          </a:fontRef>
+        </p:style>
+        <p:txBody>
+          <a:bodyPr rtlCol="0" anchor="ctr"/>
+          <a:lstStyle/>
+          <a:p>
+            <a:pPr algn="ctr"/>
+            <a:r>
+              <a:rPr lang="pl-PL" dirty="0">
+                <a:solidFill>
+                  <a:schemeClr val="tx1"/>
+                </a:solidFill>
+              </a:rPr>
+              <a:t>siła</a:t>
+            </a:r>
+          </a:p>
+        </p:txBody>
+      </p:sp>
+      <p:sp>
+        <p:nvSpPr>
+          <p:cNvPr id="36" name="Prostokąt 35">
+            <a:extLst>
+              <a:ext uri="{FF2B5EF4-FFF2-40B4-BE49-F238E27FC236}">
+                <a16:creationId xmlns:a16="http://schemas.microsoft.com/office/drawing/2014/main" id="{F9B8F9B7-0799-D2BC-A1B7-CD11E1EB95DD}"/>
+              </a:ext>
+            </a:extLst>
+          </p:cNvPr>
+          <p:cNvSpPr/>
+          <p:nvPr/>
+        </p:nvSpPr>
+        <p:spPr>
+          <a:xfrm>
+            <a:off x="8949538" y="5135028"/>
+            <a:ext cx="2805343" cy="1047565"/>
+          </a:xfrm>
+          <a:prstGeom prst="rect">
+            <a:avLst/>
+          </a:prstGeom>
+          <a:noFill/>
+        </p:spPr>
+        <p:style>
+          <a:lnRef idx="2">
+            <a:schemeClr val="accent1">
+              <a:shade val="50000"/>
+            </a:schemeClr>
+          </a:lnRef>
+          <a:fillRef idx="1">
+            <a:schemeClr val="accent1"/>
+          </a:fillRef>
+          <a:effectRef idx="0">
+            <a:schemeClr val="accent1"/>
+          </a:effectRef>
+          <a:fontRef idx="minor">
+            <a:schemeClr val="lt1"/>
+          </a:fontRef>
+        </p:style>
+        <p:txBody>
+          <a:bodyPr rtlCol="0" anchor="ctr"/>
+          <a:lstStyle/>
+          <a:p>
+            <a:pPr algn="ctr"/>
+            <a:r>
+              <a:rPr lang="pl-PL" dirty="0">
+                <a:solidFill>
+                  <a:schemeClr val="tx1"/>
+                </a:solidFill>
+              </a:rPr>
+              <a:t>odkształcenie</a:t>
+            </a:r>
+          </a:p>
+        </p:txBody>
+      </p:sp>
+      <p:pic>
+        <p:nvPicPr>
+          <p:cNvPr id="37" name="Obraz 36">
+            <a:extLst>
+              <a:ext uri="{FF2B5EF4-FFF2-40B4-BE49-F238E27FC236}">
+                <a16:creationId xmlns:a16="http://schemas.microsoft.com/office/drawing/2014/main" id="{CF89DB1F-2288-F7CB-D070-68BD8442F937}"/>
+              </a:ext>
+            </a:extLst>
+          </p:cNvPr>
+          <p:cNvPicPr>
+            <a:picLocks noChangeAspect="1"/>
+          </p:cNvPicPr>
+          <p:nvPr/>
+        </p:nvPicPr>
+        <p:blipFill rotWithShape="1">
+          <a:blip r:embed="rId7"/>
+          <a:srcRect t="42378" b="26331"/>
+          <a:stretch/>
+        </p:blipFill>
+        <p:spPr>
+          <a:xfrm rot="5400000">
+            <a:off x="-324040" y="1183313"/>
+            <a:ext cx="2063667" cy="375223"/>
+          </a:xfrm>
+          <a:prstGeom prst="rect">
+            <a:avLst/>
+          </a:prstGeom>
+        </p:spPr>
+      </p:pic>
       <p:cxnSp>
         <p:nvCxnSpPr>
-          <p:cNvPr id="22" name="Łącznik prosty ze strzałką 21">
-            <a:extLst>
-              <a:ext uri="{FF2B5EF4-FFF2-40B4-BE49-F238E27FC236}">
-                <a16:creationId xmlns:a16="http://schemas.microsoft.com/office/drawing/2014/main" id="{B370AA6D-2B4C-A0E3-C43B-92E927C193AC}"/>
+          <p:cNvPr id="38" name="Łącznik prosty ze strzałką 37">
+            <a:extLst>
+              <a:ext uri="{FF2B5EF4-FFF2-40B4-BE49-F238E27FC236}">
+                <a16:creationId xmlns:a16="http://schemas.microsoft.com/office/drawing/2014/main" id="{77BD7868-D7C9-0D1F-D5B4-93360E728870}"/>
               </a:ext>
             </a:extLst>
           </p:cNvPr>
@@ -4604,148 +4448,13 @@
         </p:nvCxnSpPr>
         <p:spPr>
           <a:xfrm>
-            <a:off x="3790397" y="872699"/>
-            <a:ext cx="4536857" cy="1041016"/>
+            <a:off x="1389912" y="1262343"/>
+            <a:ext cx="648070" cy="0"/>
           </a:xfrm>
           <a:prstGeom prst="straightConnector1">
             <a:avLst/>
           </a:prstGeom>
-          <a:ln>
-            <a:tailEnd type="triangle"/>
-          </a:ln>
-        </p:spPr>
-        <p:style>
-          <a:lnRef idx="3">
-            <a:schemeClr val="accent2"/>
-          </a:lnRef>
-          <a:fillRef idx="0">
-            <a:schemeClr val="accent2"/>
-          </a:fillRef>
-          <a:effectRef idx="2">
-            <a:schemeClr val="accent2"/>
-          </a:effectRef>
-          <a:fontRef idx="minor">
-            <a:schemeClr val="tx1"/>
-          </a:fontRef>
-        </p:style>
-      </p:cxnSp>
-      <p:sp>
-        <p:nvSpPr>
-          <p:cNvPr id="25" name="pole tekstowe 24">
-            <a:extLst>
-              <a:ext uri="{FF2B5EF4-FFF2-40B4-BE49-F238E27FC236}">
-                <a16:creationId xmlns:a16="http://schemas.microsoft.com/office/drawing/2014/main" id="{F12F85B7-A2C1-D97A-E9B9-908948A8AA3B}"/>
-              </a:ext>
-            </a:extLst>
-          </p:cNvPr>
-          <p:cNvSpPr txBox="1"/>
-          <p:nvPr/>
-        </p:nvSpPr>
-        <p:spPr>
-          <a:xfrm>
-            <a:off x="8442664" y="1725850"/>
-            <a:ext cx="4252190" cy="646331"/>
-          </a:xfrm>
-          <a:prstGeom prst="rect">
-            <a:avLst/>
-          </a:prstGeom>
-          <a:noFill/>
-        </p:spPr>
-        <p:txBody>
-          <a:bodyPr wrap="none" rtlCol="0">
-            <a:spAutoFit/>
-          </a:bodyPr>
-          <a:lstStyle/>
-          <a:p>
-            <a:r>
-              <a:rPr lang="pl-PL" b="1" dirty="0" err="1"/>
-              <a:t>Create</a:t>
-            </a:r>
-            <a:r>
-              <a:rPr lang="pl-PL" b="1" dirty="0"/>
-              <a:t> </a:t>
-            </a:r>
-            <a:r>
-              <a:rPr lang="pl-PL" b="1" dirty="0" err="1"/>
-              <a:t>stress-strain</a:t>
-            </a:r>
-            <a:r>
-              <a:rPr lang="pl-PL" b="1" dirty="0"/>
-              <a:t> </a:t>
-            </a:r>
-            <a:r>
-              <a:rPr lang="pl-PL" dirty="0"/>
-              <a:t>-&gt; </a:t>
-            </a:r>
-            <a:r>
-              <a:rPr lang="pl-PL" dirty="0" err="1"/>
-              <a:t>stress</a:t>
-            </a:r>
-            <a:r>
-              <a:rPr lang="pl-PL" dirty="0"/>
-              <a:t> </a:t>
-            </a:r>
-            <a:r>
-              <a:rPr lang="pl-PL" dirty="0" err="1"/>
-              <a:t>strain</a:t>
-            </a:r>
-            <a:r>
-              <a:rPr lang="pl-PL" dirty="0"/>
-              <a:t> </a:t>
-            </a:r>
-            <a:r>
-              <a:rPr lang="pl-PL" dirty="0" err="1"/>
-              <a:t>array</a:t>
-            </a:r>
-            <a:endParaRPr lang="pl-PL" dirty="0"/>
-          </a:p>
-          <a:p>
-            <a:r>
-              <a:rPr lang="pl-PL" dirty="0"/>
-              <a:t> 		-&gt;</a:t>
-            </a:r>
-            <a:r>
-              <a:rPr lang="pl-PL" dirty="0" err="1"/>
-              <a:t>exports</a:t>
-            </a:r>
-            <a:r>
-              <a:rPr lang="pl-PL" dirty="0"/>
-              <a:t> </a:t>
-            </a:r>
-            <a:r>
-              <a:rPr lang="pl-PL" dirty="0" err="1"/>
-              <a:t>ss</a:t>
-            </a:r>
-            <a:r>
-              <a:rPr lang="pl-PL" dirty="0"/>
-              <a:t> + jpg to file</a:t>
-            </a:r>
-          </a:p>
-        </p:txBody>
-      </p:sp>
-      <p:cxnSp>
-        <p:nvCxnSpPr>
-          <p:cNvPr id="26" name="Łącznik prosty ze strzałką 25">
-            <a:extLst>
-              <a:ext uri="{FF2B5EF4-FFF2-40B4-BE49-F238E27FC236}">
-                <a16:creationId xmlns:a16="http://schemas.microsoft.com/office/drawing/2014/main" id="{49D08F17-4E95-725C-2B56-D318C2D67376}"/>
-              </a:ext>
-            </a:extLst>
-          </p:cNvPr>
-          <p:cNvCxnSpPr>
-            <a:cxnSpLocks/>
-          </p:cNvCxnSpPr>
-          <p:nvPr/>
-        </p:nvCxnSpPr>
-        <p:spPr>
-          <a:xfrm flipH="1">
-            <a:off x="9509465" y="1913715"/>
-            <a:ext cx="1303537" cy="1300002"/>
-          </a:xfrm>
-          <a:prstGeom prst="straightConnector1">
-            <a:avLst/>
-          </a:prstGeom>
-          <a:ln>
+          <a:ln w="57150">
             <a:tailEnd type="triangle"/>
           </a:ln>
         </p:spPr>
@@ -4766,141 +4475,938 @@
       </p:cxnSp>
       <p:sp>
         <p:nvSpPr>
-          <p:cNvPr id="31" name="pole tekstowe 30">
-            <a:extLst>
-              <a:ext uri="{FF2B5EF4-FFF2-40B4-BE49-F238E27FC236}">
-                <a16:creationId xmlns:a16="http://schemas.microsoft.com/office/drawing/2014/main" id="{FB789536-81A0-53B3-B37F-CE83E1C4A07E}"/>
-              </a:ext>
-            </a:extLst>
-          </p:cNvPr>
-          <p:cNvSpPr txBox="1"/>
+          <p:cNvPr id="39" name="Znak mnożenia 38">
+            <a:extLst>
+              <a:ext uri="{FF2B5EF4-FFF2-40B4-BE49-F238E27FC236}">
+                <a16:creationId xmlns:a16="http://schemas.microsoft.com/office/drawing/2014/main" id="{BA404764-4728-B7BA-2B9C-4B316EF30134}"/>
+              </a:ext>
+            </a:extLst>
+          </p:cNvPr>
+          <p:cNvSpPr/>
           <p:nvPr/>
         </p:nvSpPr>
         <p:spPr>
           <a:xfrm>
-            <a:off x="8176374" y="3285264"/>
-            <a:ext cx="2201628" cy="646331"/>
-          </a:xfrm>
-          <a:prstGeom prst="rect">
+            <a:off x="340995" y="5871821"/>
+            <a:ext cx="96124" cy="92734"/>
+          </a:xfrm>
+          <a:prstGeom prst="mathMultiply">
             <a:avLst/>
           </a:prstGeom>
-          <a:noFill/>
-        </p:spPr>
-        <p:txBody>
-          <a:bodyPr wrap="none" rtlCol="0">
-            <a:spAutoFit/>
-          </a:bodyPr>
-          <a:lstStyle/>
-          <a:p>
-            <a:r>
-              <a:rPr lang="pl-PL" b="1" dirty="0" err="1"/>
-              <a:t>Calculate</a:t>
-            </a:r>
-            <a:r>
-              <a:rPr lang="pl-PL" b="1" dirty="0"/>
-              <a:t> </a:t>
-            </a:r>
-            <a:r>
-              <a:rPr lang="pl-PL" b="1" dirty="0" err="1"/>
-              <a:t>parameters</a:t>
-            </a:r>
-            <a:endParaRPr lang="pl-PL" b="1" dirty="0"/>
-          </a:p>
-          <a:p>
-            <a:r>
-              <a:rPr lang="pl-PL" dirty="0"/>
-              <a:t>UTS, YS?</a:t>
-            </a:r>
-          </a:p>
-        </p:txBody>
-      </p:sp>
-      <p:cxnSp>
-        <p:nvCxnSpPr>
-          <p:cNvPr id="36" name="Łącznik prosty ze strzałką 35">
-            <a:extLst>
-              <a:ext uri="{FF2B5EF4-FFF2-40B4-BE49-F238E27FC236}">
-                <a16:creationId xmlns:a16="http://schemas.microsoft.com/office/drawing/2014/main" id="{AED4B24E-AECF-040D-5EBE-81E0589DBB1E}"/>
-              </a:ext>
-            </a:extLst>
-          </p:cNvPr>
-          <p:cNvCxnSpPr>
-            <a:cxnSpLocks/>
-          </p:cNvCxnSpPr>
-          <p:nvPr/>
-        </p:nvCxnSpPr>
-        <p:spPr>
-          <a:xfrm>
-            <a:off x="4662329" y="571715"/>
-            <a:ext cx="3817325" cy="1494400"/>
-          </a:xfrm>
-          <a:prstGeom prst="straightConnector1">
-            <a:avLst/>
-          </a:prstGeom>
-          <a:ln>
-            <a:tailEnd type="triangle"/>
+          <a:solidFill>
+            <a:srgbClr val="FF0000"/>
+          </a:solidFill>
+          <a:ln w="3175">
+            <a:solidFill>
+              <a:srgbClr val="FF0000"/>
+            </a:solidFill>
           </a:ln>
         </p:spPr>
         <p:style>
-          <a:lnRef idx="3">
-            <a:schemeClr val="accent2"/>
+          <a:lnRef idx="2">
+            <a:schemeClr val="accent1">
+              <a:shade val="50000"/>
+            </a:schemeClr>
           </a:lnRef>
-          <a:fillRef idx="0">
-            <a:schemeClr val="accent2"/>
-          </a:fillRef>
-          <a:effectRef idx="2">
-            <a:schemeClr val="accent2"/>
-          </a:effectRef>
-          <a:fontRef idx="minor">
-            <a:schemeClr val="tx1"/>
-          </a:fontRef>
-        </p:style>
-      </p:cxnSp>
-      <p:cxnSp>
-        <p:nvCxnSpPr>
-          <p:cNvPr id="39" name="Łącznik prosty ze strzałką 38">
-            <a:extLst>
-              <a:ext uri="{FF2B5EF4-FFF2-40B4-BE49-F238E27FC236}">
-                <a16:creationId xmlns:a16="http://schemas.microsoft.com/office/drawing/2014/main" id="{901F10B6-B367-A4C5-AB82-1040FB489637}"/>
-              </a:ext>
-            </a:extLst>
-          </p:cNvPr>
-          <p:cNvCxnSpPr>
-            <a:cxnSpLocks/>
-            <a:stCxn id="31" idx="1"/>
-          </p:cNvCxnSpPr>
-          <p:nvPr/>
-        </p:nvCxnSpPr>
-        <p:spPr>
-          <a:xfrm flipH="1" flipV="1">
-            <a:off x="1935332" y="1242030"/>
-            <a:ext cx="6241042" cy="2366400"/>
-          </a:xfrm>
-          <a:prstGeom prst="straightConnector1">
-            <a:avLst/>
-          </a:prstGeom>
-          <a:ln>
-            <a:tailEnd type="triangle"/>
-          </a:ln>
-        </p:spPr>
-        <p:style>
-          <a:lnRef idx="1">
-            <a:schemeClr val="accent1"/>
-          </a:lnRef>
-          <a:fillRef idx="0">
+          <a:fillRef idx="1">
             <a:schemeClr val="accent1"/>
           </a:fillRef>
           <a:effectRef idx="0">
             <a:schemeClr val="accent1"/>
           </a:effectRef>
           <a:fontRef idx="minor">
-            <a:schemeClr val="tx1"/>
+            <a:schemeClr val="lt1"/>
           </a:fontRef>
         </p:style>
-      </p:cxnSp>
+        <p:txBody>
+          <a:bodyPr rtlCol="0" anchor="ctr"/>
+          <a:lstStyle/>
+          <a:p>
+            <a:pPr algn="ctr"/>
+            <a:endParaRPr lang="pl-PL"/>
+          </a:p>
+        </p:txBody>
+      </p:sp>
+      <p:sp>
+        <p:nvSpPr>
+          <p:cNvPr id="40" name="Znak mnożenia 39">
+            <a:extLst>
+              <a:ext uri="{FF2B5EF4-FFF2-40B4-BE49-F238E27FC236}">
+                <a16:creationId xmlns:a16="http://schemas.microsoft.com/office/drawing/2014/main" id="{90B95C28-AE16-0142-22A3-614F30D98E52}"/>
+              </a:ext>
+            </a:extLst>
+          </p:cNvPr>
+          <p:cNvSpPr/>
+          <p:nvPr/>
+        </p:nvSpPr>
+        <p:spPr>
+          <a:xfrm>
+            <a:off x="340995" y="5281228"/>
+            <a:ext cx="96124" cy="92734"/>
+          </a:xfrm>
+          <a:prstGeom prst="mathMultiply">
+            <a:avLst/>
+          </a:prstGeom>
+          <a:solidFill>
+            <a:srgbClr val="FF0000"/>
+          </a:solidFill>
+          <a:ln w="3175">
+            <a:solidFill>
+              <a:srgbClr val="FF0000"/>
+            </a:solidFill>
+          </a:ln>
+        </p:spPr>
+        <p:style>
+          <a:lnRef idx="2">
+            <a:schemeClr val="accent1">
+              <a:shade val="50000"/>
+            </a:schemeClr>
+          </a:lnRef>
+          <a:fillRef idx="1">
+            <a:schemeClr val="accent1"/>
+          </a:fillRef>
+          <a:effectRef idx="0">
+            <a:schemeClr val="accent1"/>
+          </a:effectRef>
+          <a:fontRef idx="minor">
+            <a:schemeClr val="lt1"/>
+          </a:fontRef>
+        </p:style>
+        <p:txBody>
+          <a:bodyPr rtlCol="0" anchor="ctr"/>
+          <a:lstStyle/>
+          <a:p>
+            <a:pPr algn="ctr"/>
+            <a:endParaRPr lang="pl-PL"/>
+          </a:p>
+        </p:txBody>
+      </p:sp>
+      <p:sp>
+        <p:nvSpPr>
+          <p:cNvPr id="42" name="pole tekstowe 41">
+            <a:extLst>
+              <a:ext uri="{FF2B5EF4-FFF2-40B4-BE49-F238E27FC236}">
+                <a16:creationId xmlns:a16="http://schemas.microsoft.com/office/drawing/2014/main" id="{867337E1-C29C-FF46-7FFE-CF3D7D7C7C38}"/>
+              </a:ext>
+            </a:extLst>
+          </p:cNvPr>
+          <p:cNvSpPr txBox="1"/>
+          <p:nvPr/>
+        </p:nvSpPr>
+        <p:spPr>
+          <a:xfrm>
+            <a:off x="340995" y="5700490"/>
+            <a:ext cx="301686" cy="369332"/>
+          </a:xfrm>
+          <a:prstGeom prst="rect">
+            <a:avLst/>
+          </a:prstGeom>
+          <a:noFill/>
+        </p:spPr>
+        <p:txBody>
+          <a:bodyPr wrap="none" rtlCol="0">
+            <a:spAutoFit/>
+          </a:bodyPr>
+          <a:lstStyle/>
+          <a:p>
+            <a:r>
+              <a:rPr lang="pl-PL" dirty="0">
+                <a:solidFill>
+                  <a:schemeClr val="bg1"/>
+                </a:solidFill>
+              </a:rPr>
+              <a:t>1</a:t>
+            </a:r>
+          </a:p>
+        </p:txBody>
+      </p:sp>
+      <p:sp>
+        <p:nvSpPr>
+          <p:cNvPr id="43" name="pole tekstowe 42">
+            <a:extLst>
+              <a:ext uri="{FF2B5EF4-FFF2-40B4-BE49-F238E27FC236}">
+                <a16:creationId xmlns:a16="http://schemas.microsoft.com/office/drawing/2014/main" id="{BCA2F1E1-6686-79A1-81F9-5FEDCBCF43B2}"/>
+              </a:ext>
+            </a:extLst>
+          </p:cNvPr>
+          <p:cNvSpPr txBox="1"/>
+          <p:nvPr/>
+        </p:nvSpPr>
+        <p:spPr>
+          <a:xfrm>
+            <a:off x="350167" y="5131347"/>
+            <a:ext cx="301686" cy="369332"/>
+          </a:xfrm>
+          <a:prstGeom prst="rect">
+            <a:avLst/>
+          </a:prstGeom>
+          <a:noFill/>
+        </p:spPr>
+        <p:txBody>
+          <a:bodyPr wrap="none" rtlCol="0">
+            <a:spAutoFit/>
+          </a:bodyPr>
+          <a:lstStyle/>
+          <a:p>
+            <a:r>
+              <a:rPr lang="pl-PL" dirty="0">
+                <a:solidFill>
+                  <a:schemeClr val="bg1"/>
+                </a:solidFill>
+              </a:rPr>
+              <a:t>2</a:t>
+            </a:r>
+          </a:p>
+        </p:txBody>
+      </p:sp>
+      <p:sp>
+        <p:nvSpPr>
+          <p:cNvPr id="44" name="pole tekstowe 43">
+            <a:extLst>
+              <a:ext uri="{FF2B5EF4-FFF2-40B4-BE49-F238E27FC236}">
+                <a16:creationId xmlns:a16="http://schemas.microsoft.com/office/drawing/2014/main" id="{A2100476-0C82-5825-58C1-02F8DDF203C7}"/>
+              </a:ext>
+            </a:extLst>
+          </p:cNvPr>
+          <p:cNvSpPr txBox="1"/>
+          <p:nvPr/>
+        </p:nvSpPr>
+        <p:spPr>
+          <a:xfrm>
+            <a:off x="722385" y="5692589"/>
+            <a:ext cx="301686" cy="369332"/>
+          </a:xfrm>
+          <a:prstGeom prst="rect">
+            <a:avLst/>
+          </a:prstGeom>
+          <a:noFill/>
+        </p:spPr>
+        <p:txBody>
+          <a:bodyPr wrap="none" rtlCol="0">
+            <a:spAutoFit/>
+          </a:bodyPr>
+          <a:lstStyle/>
+          <a:p>
+            <a:r>
+              <a:rPr lang="pl-PL" dirty="0">
+                <a:solidFill>
+                  <a:schemeClr val="bg1"/>
+                </a:solidFill>
+              </a:rPr>
+              <a:t>1</a:t>
+            </a:r>
+          </a:p>
+        </p:txBody>
+      </p:sp>
+      <p:sp>
+        <p:nvSpPr>
+          <p:cNvPr id="45" name="pole tekstowe 44">
+            <a:extLst>
+              <a:ext uri="{FF2B5EF4-FFF2-40B4-BE49-F238E27FC236}">
+                <a16:creationId xmlns:a16="http://schemas.microsoft.com/office/drawing/2014/main" id="{E120F17F-C401-BBCB-2DAA-434C9DF57FE7}"/>
+              </a:ext>
+            </a:extLst>
+          </p:cNvPr>
+          <p:cNvSpPr txBox="1"/>
+          <p:nvPr/>
+        </p:nvSpPr>
+        <p:spPr>
+          <a:xfrm>
+            <a:off x="722385" y="5058067"/>
+            <a:ext cx="301686" cy="369332"/>
+          </a:xfrm>
+          <a:prstGeom prst="rect">
+            <a:avLst/>
+          </a:prstGeom>
+          <a:noFill/>
+        </p:spPr>
+        <p:txBody>
+          <a:bodyPr wrap="none" rtlCol="0">
+            <a:spAutoFit/>
+          </a:bodyPr>
+          <a:lstStyle/>
+          <a:p>
+            <a:r>
+              <a:rPr lang="pl-PL" dirty="0">
+                <a:solidFill>
+                  <a:schemeClr val="bg1"/>
+                </a:solidFill>
+              </a:rPr>
+              <a:t>2</a:t>
+            </a:r>
+          </a:p>
+        </p:txBody>
+      </p:sp>
+      <p:sp>
+        <p:nvSpPr>
+          <p:cNvPr id="46" name="Znak mnożenia 45">
+            <a:extLst>
+              <a:ext uri="{FF2B5EF4-FFF2-40B4-BE49-F238E27FC236}">
+                <a16:creationId xmlns:a16="http://schemas.microsoft.com/office/drawing/2014/main" id="{8CC9A46A-4D7F-1442-9BEF-722D5A6EFAF5}"/>
+              </a:ext>
+            </a:extLst>
+          </p:cNvPr>
+          <p:cNvSpPr/>
+          <p:nvPr/>
+        </p:nvSpPr>
+        <p:spPr>
+          <a:xfrm>
+            <a:off x="715433" y="5188494"/>
+            <a:ext cx="96124" cy="92734"/>
+          </a:xfrm>
+          <a:prstGeom prst="mathMultiply">
+            <a:avLst/>
+          </a:prstGeom>
+          <a:solidFill>
+            <a:srgbClr val="FF0000"/>
+          </a:solidFill>
+          <a:ln w="3175">
+            <a:solidFill>
+              <a:srgbClr val="FF0000"/>
+            </a:solidFill>
+          </a:ln>
+        </p:spPr>
+        <p:style>
+          <a:lnRef idx="2">
+            <a:schemeClr val="accent1">
+              <a:shade val="50000"/>
+            </a:schemeClr>
+          </a:lnRef>
+          <a:fillRef idx="1">
+            <a:schemeClr val="accent1"/>
+          </a:fillRef>
+          <a:effectRef idx="0">
+            <a:schemeClr val="accent1"/>
+          </a:effectRef>
+          <a:fontRef idx="minor">
+            <a:schemeClr val="lt1"/>
+          </a:fontRef>
+        </p:style>
+        <p:txBody>
+          <a:bodyPr rtlCol="0" anchor="ctr"/>
+          <a:lstStyle/>
+          <a:p>
+            <a:pPr algn="ctr"/>
+            <a:endParaRPr lang="pl-PL"/>
+          </a:p>
+        </p:txBody>
+      </p:sp>
+      <p:sp>
+        <p:nvSpPr>
+          <p:cNvPr id="47" name="Znak mnożenia 46">
+            <a:extLst>
+              <a:ext uri="{FF2B5EF4-FFF2-40B4-BE49-F238E27FC236}">
+                <a16:creationId xmlns:a16="http://schemas.microsoft.com/office/drawing/2014/main" id="{F806D3E7-C9C0-B55A-8478-098AAE154711}"/>
+              </a:ext>
+            </a:extLst>
+          </p:cNvPr>
+          <p:cNvSpPr/>
+          <p:nvPr/>
+        </p:nvSpPr>
+        <p:spPr>
+          <a:xfrm>
+            <a:off x="715942" y="5885156"/>
+            <a:ext cx="96124" cy="92734"/>
+          </a:xfrm>
+          <a:prstGeom prst="mathMultiply">
+            <a:avLst/>
+          </a:prstGeom>
+          <a:solidFill>
+            <a:srgbClr val="FF0000"/>
+          </a:solidFill>
+          <a:ln w="3175">
+            <a:solidFill>
+              <a:srgbClr val="FF0000"/>
+            </a:solidFill>
+          </a:ln>
+        </p:spPr>
+        <p:style>
+          <a:lnRef idx="2">
+            <a:schemeClr val="accent1">
+              <a:shade val="50000"/>
+            </a:schemeClr>
+          </a:lnRef>
+          <a:fillRef idx="1">
+            <a:schemeClr val="accent1"/>
+          </a:fillRef>
+          <a:effectRef idx="0">
+            <a:schemeClr val="accent1"/>
+          </a:effectRef>
+          <a:fontRef idx="minor">
+            <a:schemeClr val="lt1"/>
+          </a:fontRef>
+        </p:style>
+        <p:txBody>
+          <a:bodyPr rtlCol="0" anchor="ctr"/>
+          <a:lstStyle/>
+          <a:p>
+            <a:pPr algn="ctr"/>
+            <a:endParaRPr lang="pl-PL"/>
+          </a:p>
+        </p:txBody>
+      </p:sp>
+      <p:sp>
+        <p:nvSpPr>
+          <p:cNvPr id="48" name="Znak mnożenia 47">
+            <a:extLst>
+              <a:ext uri="{FF2B5EF4-FFF2-40B4-BE49-F238E27FC236}">
+                <a16:creationId xmlns:a16="http://schemas.microsoft.com/office/drawing/2014/main" id="{B74C7431-BE13-3A14-4A18-0E2B9F2229B7}"/>
+              </a:ext>
+            </a:extLst>
+          </p:cNvPr>
+          <p:cNvSpPr/>
+          <p:nvPr/>
+        </p:nvSpPr>
+        <p:spPr>
+          <a:xfrm>
+            <a:off x="1088178" y="5888005"/>
+            <a:ext cx="96124" cy="92734"/>
+          </a:xfrm>
+          <a:prstGeom prst="mathMultiply">
+            <a:avLst/>
+          </a:prstGeom>
+          <a:solidFill>
+            <a:srgbClr val="FF0000"/>
+          </a:solidFill>
+          <a:ln w="3175">
+            <a:solidFill>
+              <a:srgbClr val="FF0000"/>
+            </a:solidFill>
+          </a:ln>
+        </p:spPr>
+        <p:style>
+          <a:lnRef idx="2">
+            <a:schemeClr val="accent1">
+              <a:shade val="50000"/>
+            </a:schemeClr>
+          </a:lnRef>
+          <a:fillRef idx="1">
+            <a:schemeClr val="accent1"/>
+          </a:fillRef>
+          <a:effectRef idx="0">
+            <a:schemeClr val="accent1"/>
+          </a:effectRef>
+          <a:fontRef idx="minor">
+            <a:schemeClr val="lt1"/>
+          </a:fontRef>
+        </p:style>
+        <p:txBody>
+          <a:bodyPr rtlCol="0" anchor="ctr"/>
+          <a:lstStyle/>
+          <a:p>
+            <a:pPr algn="ctr"/>
+            <a:endParaRPr lang="pl-PL"/>
+          </a:p>
+        </p:txBody>
+      </p:sp>
+      <p:sp>
+        <p:nvSpPr>
+          <p:cNvPr id="49" name="Znak mnożenia 48">
+            <a:extLst>
+              <a:ext uri="{FF2B5EF4-FFF2-40B4-BE49-F238E27FC236}">
+                <a16:creationId xmlns:a16="http://schemas.microsoft.com/office/drawing/2014/main" id="{7E12A198-6C1C-8DA1-DF4C-D4411BF01C1C}"/>
+              </a:ext>
+            </a:extLst>
+          </p:cNvPr>
+          <p:cNvSpPr/>
+          <p:nvPr/>
+        </p:nvSpPr>
+        <p:spPr>
+          <a:xfrm>
+            <a:off x="1088178" y="5158215"/>
+            <a:ext cx="96124" cy="92734"/>
+          </a:xfrm>
+          <a:prstGeom prst="mathMultiply">
+            <a:avLst/>
+          </a:prstGeom>
+          <a:solidFill>
+            <a:srgbClr val="FF0000"/>
+          </a:solidFill>
+          <a:ln w="3175">
+            <a:solidFill>
+              <a:srgbClr val="FF0000"/>
+            </a:solidFill>
+          </a:ln>
+        </p:spPr>
+        <p:style>
+          <a:lnRef idx="2">
+            <a:schemeClr val="accent1">
+              <a:shade val="50000"/>
+            </a:schemeClr>
+          </a:lnRef>
+          <a:fillRef idx="1">
+            <a:schemeClr val="accent1"/>
+          </a:fillRef>
+          <a:effectRef idx="0">
+            <a:schemeClr val="accent1"/>
+          </a:effectRef>
+          <a:fontRef idx="minor">
+            <a:schemeClr val="lt1"/>
+          </a:fontRef>
+        </p:style>
+        <p:txBody>
+          <a:bodyPr rtlCol="0" anchor="ctr"/>
+          <a:lstStyle/>
+          <a:p>
+            <a:pPr algn="ctr"/>
+            <a:endParaRPr lang="pl-PL"/>
+          </a:p>
+        </p:txBody>
+      </p:sp>
+      <p:sp>
+        <p:nvSpPr>
+          <p:cNvPr id="50" name="Znak mnożenia 49">
+            <a:extLst>
+              <a:ext uri="{FF2B5EF4-FFF2-40B4-BE49-F238E27FC236}">
+                <a16:creationId xmlns:a16="http://schemas.microsoft.com/office/drawing/2014/main" id="{50ECD612-4704-158C-3C7B-E6E2C908C35B}"/>
+              </a:ext>
+            </a:extLst>
+          </p:cNvPr>
+          <p:cNvSpPr/>
+          <p:nvPr/>
+        </p:nvSpPr>
+        <p:spPr>
+          <a:xfrm>
+            <a:off x="1461133" y="5084980"/>
+            <a:ext cx="96124" cy="92734"/>
+          </a:xfrm>
+          <a:prstGeom prst="mathMultiply">
+            <a:avLst/>
+          </a:prstGeom>
+          <a:solidFill>
+            <a:srgbClr val="FF0000"/>
+          </a:solidFill>
+          <a:ln w="3175">
+            <a:solidFill>
+              <a:srgbClr val="FF0000"/>
+            </a:solidFill>
+          </a:ln>
+        </p:spPr>
+        <p:style>
+          <a:lnRef idx="2">
+            <a:schemeClr val="accent1">
+              <a:shade val="50000"/>
+            </a:schemeClr>
+          </a:lnRef>
+          <a:fillRef idx="1">
+            <a:schemeClr val="accent1"/>
+          </a:fillRef>
+          <a:effectRef idx="0">
+            <a:schemeClr val="accent1"/>
+          </a:effectRef>
+          <a:fontRef idx="minor">
+            <a:schemeClr val="lt1"/>
+          </a:fontRef>
+        </p:style>
+        <p:txBody>
+          <a:bodyPr rtlCol="0" anchor="ctr"/>
+          <a:lstStyle/>
+          <a:p>
+            <a:pPr algn="ctr"/>
+            <a:endParaRPr lang="pl-PL"/>
+          </a:p>
+        </p:txBody>
+      </p:sp>
+      <p:sp>
+        <p:nvSpPr>
+          <p:cNvPr id="51" name="Znak mnożenia 50">
+            <a:extLst>
+              <a:ext uri="{FF2B5EF4-FFF2-40B4-BE49-F238E27FC236}">
+                <a16:creationId xmlns:a16="http://schemas.microsoft.com/office/drawing/2014/main" id="{C06F6043-3413-E59A-21CF-3A62F1CE8F03}"/>
+              </a:ext>
+            </a:extLst>
+          </p:cNvPr>
+          <p:cNvSpPr/>
+          <p:nvPr/>
+        </p:nvSpPr>
+        <p:spPr>
+          <a:xfrm>
+            <a:off x="1850566" y="5038613"/>
+            <a:ext cx="96124" cy="92734"/>
+          </a:xfrm>
+          <a:prstGeom prst="mathMultiply">
+            <a:avLst/>
+          </a:prstGeom>
+          <a:solidFill>
+            <a:srgbClr val="FF0000"/>
+          </a:solidFill>
+          <a:ln w="3175">
+            <a:solidFill>
+              <a:srgbClr val="FF0000"/>
+            </a:solidFill>
+          </a:ln>
+        </p:spPr>
+        <p:style>
+          <a:lnRef idx="2">
+            <a:schemeClr val="accent1">
+              <a:shade val="50000"/>
+            </a:schemeClr>
+          </a:lnRef>
+          <a:fillRef idx="1">
+            <a:schemeClr val="accent1"/>
+          </a:fillRef>
+          <a:effectRef idx="0">
+            <a:schemeClr val="accent1"/>
+          </a:effectRef>
+          <a:fontRef idx="minor">
+            <a:schemeClr val="lt1"/>
+          </a:fontRef>
+        </p:style>
+        <p:txBody>
+          <a:bodyPr rtlCol="0" anchor="ctr"/>
+          <a:lstStyle/>
+          <a:p>
+            <a:pPr algn="ctr"/>
+            <a:endParaRPr lang="pl-PL"/>
+          </a:p>
+        </p:txBody>
+      </p:sp>
+      <p:sp>
+        <p:nvSpPr>
+          <p:cNvPr id="52" name="Znak mnożenia 51">
+            <a:extLst>
+              <a:ext uri="{FF2B5EF4-FFF2-40B4-BE49-F238E27FC236}">
+                <a16:creationId xmlns:a16="http://schemas.microsoft.com/office/drawing/2014/main" id="{F7B593DA-D720-C654-EBF1-4067239B0E1C}"/>
+              </a:ext>
+            </a:extLst>
+          </p:cNvPr>
+          <p:cNvSpPr/>
+          <p:nvPr/>
+        </p:nvSpPr>
+        <p:spPr>
+          <a:xfrm>
+            <a:off x="1461133" y="5891520"/>
+            <a:ext cx="96124" cy="92734"/>
+          </a:xfrm>
+          <a:prstGeom prst="mathMultiply">
+            <a:avLst/>
+          </a:prstGeom>
+          <a:solidFill>
+            <a:srgbClr val="FF0000"/>
+          </a:solidFill>
+          <a:ln w="3175">
+            <a:solidFill>
+              <a:srgbClr val="FF0000"/>
+            </a:solidFill>
+          </a:ln>
+        </p:spPr>
+        <p:style>
+          <a:lnRef idx="2">
+            <a:schemeClr val="accent1">
+              <a:shade val="50000"/>
+            </a:schemeClr>
+          </a:lnRef>
+          <a:fillRef idx="1">
+            <a:schemeClr val="accent1"/>
+          </a:fillRef>
+          <a:effectRef idx="0">
+            <a:schemeClr val="accent1"/>
+          </a:effectRef>
+          <a:fontRef idx="minor">
+            <a:schemeClr val="lt1"/>
+          </a:fontRef>
+        </p:style>
+        <p:txBody>
+          <a:bodyPr rtlCol="0" anchor="ctr"/>
+          <a:lstStyle/>
+          <a:p>
+            <a:pPr algn="ctr"/>
+            <a:endParaRPr lang="pl-PL"/>
+          </a:p>
+        </p:txBody>
+      </p:sp>
+      <p:sp>
+        <p:nvSpPr>
+          <p:cNvPr id="53" name="Znak mnożenia 52">
+            <a:extLst>
+              <a:ext uri="{FF2B5EF4-FFF2-40B4-BE49-F238E27FC236}">
+                <a16:creationId xmlns:a16="http://schemas.microsoft.com/office/drawing/2014/main" id="{6F76A313-81A3-7FE3-8562-25D9F885E9FD}"/>
+              </a:ext>
+            </a:extLst>
+          </p:cNvPr>
+          <p:cNvSpPr/>
+          <p:nvPr/>
+        </p:nvSpPr>
+        <p:spPr>
+          <a:xfrm>
+            <a:off x="1834088" y="5888005"/>
+            <a:ext cx="96124" cy="92734"/>
+          </a:xfrm>
+          <a:prstGeom prst="mathMultiply">
+            <a:avLst/>
+          </a:prstGeom>
+          <a:solidFill>
+            <a:srgbClr val="FF0000"/>
+          </a:solidFill>
+          <a:ln w="3175">
+            <a:solidFill>
+              <a:srgbClr val="FF0000"/>
+            </a:solidFill>
+          </a:ln>
+        </p:spPr>
+        <p:style>
+          <a:lnRef idx="2">
+            <a:schemeClr val="accent1">
+              <a:shade val="50000"/>
+            </a:schemeClr>
+          </a:lnRef>
+          <a:fillRef idx="1">
+            <a:schemeClr val="accent1"/>
+          </a:fillRef>
+          <a:effectRef idx="0">
+            <a:schemeClr val="accent1"/>
+          </a:effectRef>
+          <a:fontRef idx="minor">
+            <a:schemeClr val="lt1"/>
+          </a:fontRef>
+        </p:style>
+        <p:txBody>
+          <a:bodyPr rtlCol="0" anchor="ctr"/>
+          <a:lstStyle/>
+          <a:p>
+            <a:pPr algn="ctr"/>
+            <a:endParaRPr lang="pl-PL"/>
+          </a:p>
+        </p:txBody>
+      </p:sp>
+      <p:sp>
+        <p:nvSpPr>
+          <p:cNvPr id="54" name="pole tekstowe 53">
+            <a:extLst>
+              <a:ext uri="{FF2B5EF4-FFF2-40B4-BE49-F238E27FC236}">
+                <a16:creationId xmlns:a16="http://schemas.microsoft.com/office/drawing/2014/main" id="{3B92885F-8BFF-DA3A-093B-1B1514D5C1A4}"/>
+              </a:ext>
+            </a:extLst>
+          </p:cNvPr>
+          <p:cNvSpPr txBox="1"/>
+          <p:nvPr/>
+        </p:nvSpPr>
+        <p:spPr>
+          <a:xfrm>
+            <a:off x="1103269" y="5036368"/>
+            <a:ext cx="301686" cy="369332"/>
+          </a:xfrm>
+          <a:prstGeom prst="rect">
+            <a:avLst/>
+          </a:prstGeom>
+          <a:noFill/>
+        </p:spPr>
+        <p:txBody>
+          <a:bodyPr wrap="none" rtlCol="0">
+            <a:spAutoFit/>
+          </a:bodyPr>
+          <a:lstStyle/>
+          <a:p>
+            <a:r>
+              <a:rPr lang="pl-PL" dirty="0">
+                <a:solidFill>
+                  <a:schemeClr val="bg1"/>
+                </a:solidFill>
+              </a:rPr>
+              <a:t>2</a:t>
+            </a:r>
+          </a:p>
+        </p:txBody>
+      </p:sp>
+      <p:sp>
+        <p:nvSpPr>
+          <p:cNvPr id="55" name="pole tekstowe 54">
+            <a:extLst>
+              <a:ext uri="{FF2B5EF4-FFF2-40B4-BE49-F238E27FC236}">
+                <a16:creationId xmlns:a16="http://schemas.microsoft.com/office/drawing/2014/main" id="{C3D8F879-DF66-B15B-AEAB-4A1E0CF32EB4}"/>
+              </a:ext>
+            </a:extLst>
+          </p:cNvPr>
+          <p:cNvSpPr txBox="1"/>
+          <p:nvPr/>
+        </p:nvSpPr>
+        <p:spPr>
+          <a:xfrm>
+            <a:off x="1461873" y="4967448"/>
+            <a:ext cx="301686" cy="369332"/>
+          </a:xfrm>
+          <a:prstGeom prst="rect">
+            <a:avLst/>
+          </a:prstGeom>
+          <a:noFill/>
+        </p:spPr>
+        <p:txBody>
+          <a:bodyPr wrap="none" rtlCol="0">
+            <a:spAutoFit/>
+          </a:bodyPr>
+          <a:lstStyle/>
+          <a:p>
+            <a:r>
+              <a:rPr lang="pl-PL" dirty="0">
+                <a:solidFill>
+                  <a:schemeClr val="bg1"/>
+                </a:solidFill>
+              </a:rPr>
+              <a:t>2</a:t>
+            </a:r>
+          </a:p>
+        </p:txBody>
+      </p:sp>
+      <p:sp>
+        <p:nvSpPr>
+          <p:cNvPr id="56" name="pole tekstowe 55">
+            <a:extLst>
+              <a:ext uri="{FF2B5EF4-FFF2-40B4-BE49-F238E27FC236}">
+                <a16:creationId xmlns:a16="http://schemas.microsoft.com/office/drawing/2014/main" id="{2099F904-0D09-D36A-E01C-A5FEE7A0909F}"/>
+              </a:ext>
+            </a:extLst>
+          </p:cNvPr>
+          <p:cNvSpPr txBox="1"/>
+          <p:nvPr/>
+        </p:nvSpPr>
+        <p:spPr>
+          <a:xfrm>
+            <a:off x="1850566" y="4911896"/>
+            <a:ext cx="301686" cy="369332"/>
+          </a:xfrm>
+          <a:prstGeom prst="rect">
+            <a:avLst/>
+          </a:prstGeom>
+          <a:noFill/>
+        </p:spPr>
+        <p:txBody>
+          <a:bodyPr wrap="none" rtlCol="0">
+            <a:spAutoFit/>
+          </a:bodyPr>
+          <a:lstStyle/>
+          <a:p>
+            <a:r>
+              <a:rPr lang="pl-PL" dirty="0">
+                <a:solidFill>
+                  <a:schemeClr val="bg1"/>
+                </a:solidFill>
+              </a:rPr>
+              <a:t>2</a:t>
+            </a:r>
+          </a:p>
+        </p:txBody>
+      </p:sp>
+      <p:sp>
+        <p:nvSpPr>
+          <p:cNvPr id="57" name="pole tekstowe 56">
+            <a:extLst>
+              <a:ext uri="{FF2B5EF4-FFF2-40B4-BE49-F238E27FC236}">
+                <a16:creationId xmlns:a16="http://schemas.microsoft.com/office/drawing/2014/main" id="{19EB4340-05FA-1859-4927-4331C678E590}"/>
+              </a:ext>
+            </a:extLst>
+          </p:cNvPr>
+          <p:cNvSpPr txBox="1"/>
+          <p:nvPr/>
+        </p:nvSpPr>
+        <p:spPr>
+          <a:xfrm>
+            <a:off x="1112038" y="5706854"/>
+            <a:ext cx="301686" cy="369332"/>
+          </a:xfrm>
+          <a:prstGeom prst="rect">
+            <a:avLst/>
+          </a:prstGeom>
+          <a:noFill/>
+        </p:spPr>
+        <p:txBody>
+          <a:bodyPr wrap="none" rtlCol="0">
+            <a:spAutoFit/>
+          </a:bodyPr>
+          <a:lstStyle/>
+          <a:p>
+            <a:r>
+              <a:rPr lang="pl-PL" dirty="0">
+                <a:solidFill>
+                  <a:schemeClr val="bg1"/>
+                </a:solidFill>
+              </a:rPr>
+              <a:t>1</a:t>
+            </a:r>
+          </a:p>
+        </p:txBody>
+      </p:sp>
+      <p:sp>
+        <p:nvSpPr>
+          <p:cNvPr id="58" name="pole tekstowe 57">
+            <a:extLst>
+              <a:ext uri="{FF2B5EF4-FFF2-40B4-BE49-F238E27FC236}">
+                <a16:creationId xmlns:a16="http://schemas.microsoft.com/office/drawing/2014/main" id="{93BBA0CE-7381-145A-AD50-AB7D00EAF892}"/>
+              </a:ext>
+            </a:extLst>
+          </p:cNvPr>
+          <p:cNvSpPr txBox="1"/>
+          <p:nvPr/>
+        </p:nvSpPr>
+        <p:spPr>
+          <a:xfrm>
+            <a:off x="1469994" y="5706854"/>
+            <a:ext cx="301686" cy="369332"/>
+          </a:xfrm>
+          <a:prstGeom prst="rect">
+            <a:avLst/>
+          </a:prstGeom>
+          <a:noFill/>
+        </p:spPr>
+        <p:txBody>
+          <a:bodyPr wrap="none" rtlCol="0">
+            <a:spAutoFit/>
+          </a:bodyPr>
+          <a:lstStyle/>
+          <a:p>
+            <a:r>
+              <a:rPr lang="pl-PL" dirty="0">
+                <a:solidFill>
+                  <a:schemeClr val="bg1"/>
+                </a:solidFill>
+              </a:rPr>
+              <a:t>1</a:t>
+            </a:r>
+          </a:p>
+        </p:txBody>
+      </p:sp>
+      <p:sp>
+        <p:nvSpPr>
+          <p:cNvPr id="59" name="pole tekstowe 58">
+            <a:extLst>
+              <a:ext uri="{FF2B5EF4-FFF2-40B4-BE49-F238E27FC236}">
+                <a16:creationId xmlns:a16="http://schemas.microsoft.com/office/drawing/2014/main" id="{DE3975C8-92A1-2D65-A989-1201331B22D0}"/>
+              </a:ext>
+            </a:extLst>
+          </p:cNvPr>
+          <p:cNvSpPr txBox="1"/>
+          <p:nvPr/>
+        </p:nvSpPr>
+        <p:spPr>
+          <a:xfrm>
+            <a:off x="1845252" y="5700490"/>
+            <a:ext cx="301686" cy="369332"/>
+          </a:xfrm>
+          <a:prstGeom prst="rect">
+            <a:avLst/>
+          </a:prstGeom>
+          <a:noFill/>
+        </p:spPr>
+        <p:txBody>
+          <a:bodyPr wrap="none" rtlCol="0">
+            <a:spAutoFit/>
+          </a:bodyPr>
+          <a:lstStyle/>
+          <a:p>
+            <a:r>
+              <a:rPr lang="pl-PL" dirty="0">
+                <a:solidFill>
+                  <a:schemeClr val="bg1"/>
+                </a:solidFill>
+              </a:rPr>
+              <a:t>1</a:t>
+            </a:r>
+          </a:p>
+        </p:txBody>
+      </p:sp>
     </p:spTree>
     <p:extLst>
       <p:ext uri="{BB962C8B-B14F-4D97-AF65-F5344CB8AC3E}">
-        <p14:creationId xmlns:p14="http://schemas.microsoft.com/office/powerpoint/2010/main" val="2671180155"/>
+        <p14:creationId xmlns:p14="http://schemas.microsoft.com/office/powerpoint/2010/main" val="1708969600"/>
       </p:ext>
     </p:extLst>
   </p:cSld>
@@ -4927,12 +5433,166 @@
           <a:chExt cx="0" cy="0"/>
         </a:xfrm>
       </p:grpSpPr>
+      <p:sp>
+        <p:nvSpPr>
+          <p:cNvPr id="4" name="pole tekstowe 3">
+            <a:extLst>
+              <a:ext uri="{FF2B5EF4-FFF2-40B4-BE49-F238E27FC236}">
+                <a16:creationId xmlns:a16="http://schemas.microsoft.com/office/drawing/2014/main" id="{29711393-66D0-FA05-4421-1838C7B19DF9}"/>
+              </a:ext>
+            </a:extLst>
+          </p:cNvPr>
+          <p:cNvSpPr txBox="1"/>
+          <p:nvPr/>
+        </p:nvSpPr>
+        <p:spPr>
+          <a:xfrm>
+            <a:off x="152400" y="101600"/>
+            <a:ext cx="7281055" cy="3139321"/>
+          </a:xfrm>
+          <a:prstGeom prst="rect">
+            <a:avLst/>
+          </a:prstGeom>
+          <a:noFill/>
+        </p:spPr>
+        <p:txBody>
+          <a:bodyPr wrap="square" rtlCol="0">
+            <a:spAutoFit/>
+          </a:bodyPr>
+          <a:lstStyle/>
+          <a:p>
+            <a:pPr marL="342900" indent="-342900">
+              <a:buAutoNum type="arabicPeriod"/>
+            </a:pPr>
+            <a:r>
+              <a:rPr lang="pl-PL" dirty="0"/>
+              <a:t>User podaje częstotliwość zapisu DIC oraz ścieżkę do pliku z listą próbek</a:t>
+            </a:r>
+          </a:p>
+          <a:p>
+            <a:pPr marL="342900" indent="-342900">
+              <a:buAutoNum type="arabicPeriod"/>
+            </a:pPr>
+            <a:r>
+              <a:rPr lang="pl-PL" dirty="0"/>
+              <a:t>Program liczy pole przekroju (cross </a:t>
+            </a:r>
+            <a:r>
+              <a:rPr lang="pl-PL" dirty="0" err="1"/>
+              <a:t>section</a:t>
+            </a:r>
+            <a:r>
+              <a:rPr lang="pl-PL" dirty="0"/>
+              <a:t>, </a:t>
+            </a:r>
+            <a:r>
+              <a:rPr lang="pl-PL" dirty="0" err="1"/>
+              <a:t>cs</a:t>
+            </a:r>
+            <a:r>
+              <a:rPr lang="pl-PL" dirty="0"/>
+              <a:t>) i dla każdej próbki wykonuje:</a:t>
+            </a:r>
+          </a:p>
+          <a:p>
+            <a:pPr marL="800100" lvl="1" indent="-342900">
+              <a:buAutoNum type="alphaLcPeriod"/>
+            </a:pPr>
+            <a:r>
+              <a:rPr lang="pl-PL" dirty="0"/>
+              <a:t>Tworzy szereg odkształceń (</a:t>
+            </a:r>
+            <a:r>
+              <a:rPr lang="pl-PL" dirty="0" err="1"/>
+              <a:t>strain</a:t>
+            </a:r>
+            <a:r>
+              <a:rPr lang="pl-PL" dirty="0"/>
+              <a:t>) na podstawie pliku .</a:t>
+            </a:r>
+            <a:r>
+              <a:rPr lang="pl-PL" dirty="0" err="1"/>
+              <a:t>csv</a:t>
+            </a:r>
+            <a:endParaRPr lang="pl-PL" dirty="0"/>
+          </a:p>
+          <a:p>
+            <a:pPr marL="800100" lvl="1" indent="-342900">
+              <a:buAutoNum type="alphaLcPeriod"/>
+            </a:pPr>
+            <a:r>
+              <a:rPr lang="pl-PL" dirty="0"/>
+              <a:t>Tworzy szereg siły na podstawie .TRA</a:t>
+            </a:r>
+          </a:p>
+          <a:p>
+            <a:pPr marL="800100" lvl="1" indent="-342900">
+              <a:buAutoNum type="alphaLcPeriod"/>
+            </a:pPr>
+            <a:r>
+              <a:rPr lang="pl-PL" dirty="0"/>
+              <a:t>,,bierze” rekord siły co X, na podstawie częstotliwości DIC</a:t>
+            </a:r>
+          </a:p>
+          <a:p>
+            <a:pPr marL="800100" lvl="1" indent="-342900">
+              <a:buAutoNum type="alphaLcPeriod"/>
+            </a:pPr>
+            <a:r>
+              <a:rPr lang="pl-PL" dirty="0"/>
+              <a:t>Tworzy szereg </a:t>
+            </a:r>
+            <a:r>
+              <a:rPr lang="pl-PL" dirty="0" err="1"/>
+              <a:t>naprężeń</a:t>
+            </a:r>
+            <a:r>
+              <a:rPr lang="pl-PL" dirty="0"/>
+              <a:t> (</a:t>
+            </a:r>
+            <a:r>
+              <a:rPr lang="pl-PL" dirty="0" err="1"/>
+              <a:t>stess</a:t>
+            </a:r>
+            <a:r>
+              <a:rPr lang="pl-PL" dirty="0"/>
+              <a:t>) dzieląc siłę przez przekrój</a:t>
+            </a:r>
+          </a:p>
+          <a:p>
+            <a:pPr marL="1314450" lvl="2" indent="-400050">
+              <a:buAutoNum type="romanLcPeriod"/>
+            </a:pPr>
+            <a:r>
+              <a:rPr lang="pl-PL" dirty="0"/>
+              <a:t>Liczy regresję w zakresie sprężystym i punkt jej przecięcia z osią X (punkt x0 - </a:t>
+            </a:r>
+            <a:r>
+              <a:rPr lang="pl-PL" dirty="0" err="1"/>
+              <a:t>intersection</a:t>
+            </a:r>
+            <a:r>
+              <a:rPr lang="pl-PL" dirty="0"/>
+              <a:t>)</a:t>
+            </a:r>
+          </a:p>
+          <a:p>
+            <a:pPr marL="1314450" lvl="2" indent="-400050">
+              <a:buAutoNum type="romanLcPeriod"/>
+            </a:pPr>
+            <a:r>
+              <a:rPr lang="pl-PL" dirty="0"/>
+              <a:t>Jeśli punkt przecięcia jest większy niż 0.001, odejmuje od wartości odkształcenia wartość x0</a:t>
+            </a:r>
+          </a:p>
+        </p:txBody>
+      </p:sp>
       <p:pic>
         <p:nvPicPr>
-          <p:cNvPr id="5" name="Obraz 4">
-            <a:extLst>
-              <a:ext uri="{FF2B5EF4-FFF2-40B4-BE49-F238E27FC236}">
-                <a16:creationId xmlns:a16="http://schemas.microsoft.com/office/drawing/2014/main" id="{FC56B40C-9937-BD3A-B6A2-DEB7A2FC6A79}"/>
+          <p:cNvPr id="6" name="Obraz 5">
+            <a:extLst>
+              <a:ext uri="{FF2B5EF4-FFF2-40B4-BE49-F238E27FC236}">
+                <a16:creationId xmlns:a16="http://schemas.microsoft.com/office/drawing/2014/main" id="{D39173CB-5689-C12C-D1D5-7243BD26AC35}"/>
               </a:ext>
             </a:extLst>
           </p:cNvPr>
@@ -4949,18 +5609,83 @@
         </p:blipFill>
         <p:spPr>
           <a:xfrm>
-            <a:off x="5192817" y="912180"/>
-            <a:ext cx="6605547" cy="5033639"/>
+            <a:off x="7433455" y="843280"/>
+            <a:ext cx="4758545" cy="3790356"/>
           </a:xfrm>
           <a:prstGeom prst="rect">
             <a:avLst/>
           </a:prstGeom>
         </p:spPr>
       </p:pic>
+      <p:sp>
+        <p:nvSpPr>
+          <p:cNvPr id="8" name="pole tekstowe 7">
+            <a:extLst>
+              <a:ext uri="{FF2B5EF4-FFF2-40B4-BE49-F238E27FC236}">
+                <a16:creationId xmlns:a16="http://schemas.microsoft.com/office/drawing/2014/main" id="{E6D2717D-EF8F-9098-2FA8-745BA2B5311C}"/>
+              </a:ext>
+            </a:extLst>
+          </p:cNvPr>
+          <p:cNvSpPr txBox="1"/>
+          <p:nvPr/>
+        </p:nvSpPr>
+        <p:spPr>
+          <a:xfrm>
+            <a:off x="608352" y="3240921"/>
+            <a:ext cx="7011648" cy="1200329"/>
+          </a:xfrm>
+          <a:prstGeom prst="rect">
+            <a:avLst/>
+          </a:prstGeom>
+          <a:noFill/>
+        </p:spPr>
+        <p:txBody>
+          <a:bodyPr wrap="square" rtlCol="0">
+            <a:spAutoFit/>
+          </a:bodyPr>
+          <a:lstStyle/>
+          <a:p>
+            <a:r>
+              <a:rPr lang="pl-PL" dirty="0"/>
+              <a:t>e. Zapisuje krzywą </a:t>
+            </a:r>
+            <a:r>
+              <a:rPr lang="pl-PL" dirty="0" err="1"/>
+              <a:t>stress-strain</a:t>
+            </a:r>
+            <a:r>
+              <a:rPr lang="pl-PL" dirty="0"/>
+              <a:t> do .</a:t>
+            </a:r>
+            <a:r>
+              <a:rPr lang="pl-PL" dirty="0" err="1"/>
+              <a:t>csv</a:t>
+            </a:r>
+            <a:r>
+              <a:rPr lang="pl-PL" dirty="0"/>
+              <a:t>, tworzy wykres i zapisuje do .jpg</a:t>
+            </a:r>
+          </a:p>
+          <a:p>
+            <a:r>
+              <a:rPr lang="pl-PL" dirty="0"/>
+              <a:t>f.  Liczy parametry UTS, YS i UE i zapisuje do tabeli, którą eksportuje do .</a:t>
+            </a:r>
+            <a:r>
+              <a:rPr lang="pl-PL" dirty="0" err="1"/>
+              <a:t>csv</a:t>
+            </a:r>
+            <a:endParaRPr lang="pl-PL" dirty="0"/>
+          </a:p>
+          <a:p>
+            <a:endParaRPr lang="pl-PL" dirty="0"/>
+          </a:p>
+        </p:txBody>
+      </p:sp>
     </p:spTree>
     <p:extLst>
       <p:ext uri="{BB962C8B-B14F-4D97-AF65-F5344CB8AC3E}">
-        <p14:creationId xmlns:p14="http://schemas.microsoft.com/office/powerpoint/2010/main" val="944160480"/>
+        <p14:creationId xmlns:p14="http://schemas.microsoft.com/office/powerpoint/2010/main" val="2671180155"/>
       </p:ext>
     </p:extLst>
   </p:cSld>
@@ -4992,7 +5717,7 @@
           <p:cNvPr id="3" name="Obraz 2">
             <a:extLst>
               <a:ext uri="{FF2B5EF4-FFF2-40B4-BE49-F238E27FC236}">
-                <a16:creationId xmlns:a16="http://schemas.microsoft.com/office/drawing/2014/main" id="{077377CD-49E4-B41D-68CB-0E4D65EB25E4}"/>
+                <a16:creationId xmlns:a16="http://schemas.microsoft.com/office/drawing/2014/main" id="{4ABE6B0A-79A0-3773-2EEB-E3CABB0AD87E}"/>
               </a:ext>
             </a:extLst>
           </p:cNvPr>
@@ -5001,15 +5726,16 @@
           </p:cNvPicPr>
           <p:nvPr/>
         </p:nvPicPr>
-        <p:blipFill rotWithShape="1">
+        <p:blipFill>
           <a:blip r:embed="rId2"/>
-          <a:srcRect r="20112"/>
-          <a:stretch/>
+          <a:stretch>
+            <a:fillRect/>
+          </a:stretch>
         </p:blipFill>
         <p:spPr>
           <a:xfrm>
-            <a:off x="3232296" y="2479609"/>
-            <a:ext cx="3661484" cy="2404358"/>
+            <a:off x="7698070" y="3302092"/>
+            <a:ext cx="4493930" cy="3429000"/>
           </a:xfrm>
           <a:prstGeom prst="rect">
             <a:avLst/>
@@ -5018,10 +5744,10 @@
       </p:pic>
       <p:pic>
         <p:nvPicPr>
-          <p:cNvPr id="5" name="Obraz 4">
-            <a:extLst>
-              <a:ext uri="{FF2B5EF4-FFF2-40B4-BE49-F238E27FC236}">
-                <a16:creationId xmlns:a16="http://schemas.microsoft.com/office/drawing/2014/main" id="{10A10947-E55D-8605-4090-D7ABE07615FA}"/>
+          <p:cNvPr id="4" name="Obraz 3">
+            <a:extLst>
+              <a:ext uri="{FF2B5EF4-FFF2-40B4-BE49-F238E27FC236}">
+                <a16:creationId xmlns:a16="http://schemas.microsoft.com/office/drawing/2014/main" id="{2C50EDFE-C24A-CDFA-81DB-9B6C688E5D73}"/>
               </a:ext>
             </a:extLst>
           </p:cNvPr>
@@ -5038,55 +5764,20 @@
         </p:blipFill>
         <p:spPr>
           <a:xfrm>
-            <a:off x="-3885" y="1541490"/>
-            <a:ext cx="2725024" cy="4115248"/>
+            <a:off x="7883917" y="63454"/>
+            <a:ext cx="4225224" cy="3365546"/>
           </a:xfrm>
           <a:prstGeom prst="rect">
             <a:avLst/>
           </a:prstGeom>
         </p:spPr>
       </p:pic>
-      <p:sp>
-        <p:nvSpPr>
-          <p:cNvPr id="6" name="pole tekstowe 5">
-            <a:extLst>
-              <a:ext uri="{FF2B5EF4-FFF2-40B4-BE49-F238E27FC236}">
-                <a16:creationId xmlns:a16="http://schemas.microsoft.com/office/drawing/2014/main" id="{B3B4F95D-CC72-3054-62AC-FBD01B0F1297}"/>
-              </a:ext>
-            </a:extLst>
-          </p:cNvPr>
-          <p:cNvSpPr txBox="1"/>
-          <p:nvPr/>
-        </p:nvSpPr>
-        <p:spPr>
-          <a:xfrm>
-            <a:off x="1695609" y="-14497"/>
-            <a:ext cx="8652561" cy="584775"/>
-          </a:xfrm>
-          <a:prstGeom prst="rect">
-            <a:avLst/>
-          </a:prstGeom>
-          <a:noFill/>
-        </p:spPr>
-        <p:txBody>
-          <a:bodyPr wrap="none" rtlCol="0">
-            <a:spAutoFit/>
-          </a:bodyPr>
-          <a:lstStyle/>
-          <a:p>
-            <a:r>
-              <a:rPr lang="pl-PL" sz="3200" dirty="0"/>
-              <a:t>Analiza danych z próby jednoosiowego rozciągania </a:t>
-            </a:r>
-          </a:p>
-        </p:txBody>
-      </p:sp>
       <p:pic>
         <p:nvPicPr>
-          <p:cNvPr id="15" name="Obraz 14">
-            <a:extLst>
-              <a:ext uri="{FF2B5EF4-FFF2-40B4-BE49-F238E27FC236}">
-                <a16:creationId xmlns:a16="http://schemas.microsoft.com/office/drawing/2014/main" id="{3C5C6286-9939-EBD8-6C2D-8E2B5687F6FD}"/>
+          <p:cNvPr id="6" name="Obraz 5">
+            <a:extLst>
+              <a:ext uri="{FF2B5EF4-FFF2-40B4-BE49-F238E27FC236}">
+                <a16:creationId xmlns:a16="http://schemas.microsoft.com/office/drawing/2014/main" id="{DF021D99-CBF1-2C95-7CA1-0042C6D10C4E}"/>
               </a:ext>
             </a:extLst>
           </p:cNvPr>
@@ -5103,252 +5794,8 @@
         </p:blipFill>
         <p:spPr>
           <a:xfrm>
-            <a:off x="7404937" y="2118314"/>
-            <a:ext cx="4643405" cy="3538424"/>
-          </a:xfrm>
-          <a:prstGeom prst="rect">
-            <a:avLst/>
-          </a:prstGeom>
-        </p:spPr>
-      </p:pic>
-      <p:sp>
-        <p:nvSpPr>
-          <p:cNvPr id="22" name="pole tekstowe 21">
-            <a:extLst>
-              <a:ext uri="{FF2B5EF4-FFF2-40B4-BE49-F238E27FC236}">
-                <a16:creationId xmlns:a16="http://schemas.microsoft.com/office/drawing/2014/main" id="{60E2EA0E-4277-E247-28F4-AD2BCD922C9A}"/>
-              </a:ext>
-            </a:extLst>
-          </p:cNvPr>
-          <p:cNvSpPr txBox="1"/>
-          <p:nvPr/>
-        </p:nvSpPr>
-        <p:spPr>
-          <a:xfrm>
-            <a:off x="8133001" y="1218324"/>
-            <a:ext cx="3430042" cy="646331"/>
-          </a:xfrm>
-          <a:prstGeom prst="rect">
-            <a:avLst/>
-          </a:prstGeom>
-          <a:noFill/>
-        </p:spPr>
-        <p:txBody>
-          <a:bodyPr wrap="none" rtlCol="0">
-            <a:spAutoFit/>
-          </a:bodyPr>
-          <a:lstStyle/>
-          <a:p>
-            <a:r>
-              <a:rPr lang="pl-PL" dirty="0"/>
-              <a:t>Krzywa naprężenie – odkształcenie</a:t>
-            </a:r>
-          </a:p>
-          <a:p>
-            <a:r>
-              <a:rPr lang="pl-PL" dirty="0"/>
-              <a:t>                         </a:t>
-            </a:r>
-            <a:r>
-              <a:rPr lang="pl-PL" dirty="0" err="1"/>
-              <a:t>stress</a:t>
-            </a:r>
-            <a:r>
-              <a:rPr lang="pl-PL" dirty="0"/>
-              <a:t> - </a:t>
-            </a:r>
-            <a:r>
-              <a:rPr lang="pl-PL" dirty="0" err="1"/>
-              <a:t>strain</a:t>
-            </a:r>
-            <a:endParaRPr lang="pl-PL" dirty="0"/>
-          </a:p>
-        </p:txBody>
-      </p:sp>
-      <p:sp>
-        <p:nvSpPr>
-          <p:cNvPr id="2" name="pole tekstowe 1">
-            <a:extLst>
-              <a:ext uri="{FF2B5EF4-FFF2-40B4-BE49-F238E27FC236}">
-                <a16:creationId xmlns:a16="http://schemas.microsoft.com/office/drawing/2014/main" id="{9270A136-F220-9E7C-2E59-E73D3882AE5C}"/>
-              </a:ext>
-            </a:extLst>
-          </p:cNvPr>
-          <p:cNvSpPr txBox="1"/>
-          <p:nvPr/>
-        </p:nvSpPr>
-        <p:spPr>
-          <a:xfrm>
-            <a:off x="2547890" y="3280153"/>
-            <a:ext cx="567784" cy="1015663"/>
-          </a:xfrm>
-          <a:prstGeom prst="rect">
-            <a:avLst/>
-          </a:prstGeom>
-          <a:noFill/>
-        </p:spPr>
-        <p:txBody>
-          <a:bodyPr wrap="none" rtlCol="0">
-            <a:spAutoFit/>
-          </a:bodyPr>
-          <a:lstStyle/>
-          <a:p>
-            <a:r>
-              <a:rPr lang="pl-PL" sz="6000" dirty="0"/>
-              <a:t>+</a:t>
-            </a:r>
-          </a:p>
-        </p:txBody>
-      </p:sp>
-      <p:sp>
-        <p:nvSpPr>
-          <p:cNvPr id="4" name="pole tekstowe 3">
-            <a:extLst>
-              <a:ext uri="{FF2B5EF4-FFF2-40B4-BE49-F238E27FC236}">
-                <a16:creationId xmlns:a16="http://schemas.microsoft.com/office/drawing/2014/main" id="{D315DF6F-03F3-287E-70B7-0AA867A8921A}"/>
-              </a:ext>
-            </a:extLst>
-          </p:cNvPr>
-          <p:cNvSpPr txBox="1"/>
-          <p:nvPr/>
-        </p:nvSpPr>
-        <p:spPr>
-          <a:xfrm>
-            <a:off x="6766374" y="3280152"/>
-            <a:ext cx="803425" cy="1015663"/>
-          </a:xfrm>
-          <a:prstGeom prst="rect">
-            <a:avLst/>
-          </a:prstGeom>
-          <a:noFill/>
-        </p:spPr>
-        <p:txBody>
-          <a:bodyPr wrap="none" rtlCol="0">
-            <a:spAutoFit/>
-          </a:bodyPr>
-          <a:lstStyle/>
-          <a:p>
-            <a:r>
-              <a:rPr lang="pl-PL" sz="6000" dirty="0"/>
-              <a:t>-&gt;</a:t>
-            </a:r>
-          </a:p>
-        </p:txBody>
-      </p:sp>
-      <p:sp>
-        <p:nvSpPr>
-          <p:cNvPr id="7" name="pole tekstowe 6">
-            <a:extLst>
-              <a:ext uri="{FF2B5EF4-FFF2-40B4-BE49-F238E27FC236}">
-                <a16:creationId xmlns:a16="http://schemas.microsoft.com/office/drawing/2014/main" id="{FE54D738-1EF6-432E-2DB1-14CF73AEBD71}"/>
-              </a:ext>
-            </a:extLst>
-          </p:cNvPr>
-          <p:cNvSpPr txBox="1"/>
-          <p:nvPr/>
-        </p:nvSpPr>
-        <p:spPr>
-          <a:xfrm>
-            <a:off x="3905119" y="1556279"/>
-            <a:ext cx="2830518" cy="923330"/>
-          </a:xfrm>
-          <a:prstGeom prst="rect">
-            <a:avLst/>
-          </a:prstGeom>
-          <a:noFill/>
-        </p:spPr>
-        <p:txBody>
-          <a:bodyPr wrap="none" rtlCol="0">
-            <a:spAutoFit/>
-          </a:bodyPr>
-          <a:lstStyle/>
-          <a:p>
-            <a:r>
-              <a:rPr lang="pl-PL" dirty="0"/>
-              <a:t>Odkształcenie z systemu DIC</a:t>
-            </a:r>
-          </a:p>
-          <a:p>
-            <a:r>
-              <a:rPr lang="pl-PL" dirty="0"/>
-              <a:t>Digital Image </a:t>
-            </a:r>
-            <a:r>
-              <a:rPr lang="pl-PL" dirty="0" err="1"/>
-              <a:t>Correlation</a:t>
-            </a:r>
-            <a:r>
-              <a:rPr lang="pl-PL" dirty="0"/>
-              <a:t> </a:t>
-            </a:r>
-          </a:p>
-          <a:p>
-            <a:r>
-              <a:rPr lang="pl-PL" dirty="0"/>
-              <a:t>cyfrowa korelacja obrazu</a:t>
-            </a:r>
-          </a:p>
-        </p:txBody>
-      </p:sp>
-      <p:sp>
-        <p:nvSpPr>
-          <p:cNvPr id="9" name="pole tekstowe 8">
-            <a:extLst>
-              <a:ext uri="{FF2B5EF4-FFF2-40B4-BE49-F238E27FC236}">
-                <a16:creationId xmlns:a16="http://schemas.microsoft.com/office/drawing/2014/main" id="{96E32888-09A3-E90E-AAB5-801073FFD708}"/>
-              </a:ext>
-            </a:extLst>
-          </p:cNvPr>
-          <p:cNvSpPr txBox="1"/>
-          <p:nvPr/>
-        </p:nvSpPr>
-        <p:spPr>
-          <a:xfrm>
-            <a:off x="-71022" y="1102738"/>
-            <a:ext cx="3361626" cy="369332"/>
-          </a:xfrm>
-          <a:prstGeom prst="rect">
-            <a:avLst/>
-          </a:prstGeom>
-          <a:noFill/>
-        </p:spPr>
-        <p:txBody>
-          <a:bodyPr wrap="none" rtlCol="0">
-            <a:spAutoFit/>
-          </a:bodyPr>
-          <a:lstStyle/>
-          <a:p>
-            <a:r>
-              <a:rPr lang="pl-PL" dirty="0"/>
-              <a:t>Siła z maszyna wytrzymałościowej</a:t>
-            </a:r>
-          </a:p>
-        </p:txBody>
-      </p:sp>
-      <p:pic>
-        <p:nvPicPr>
-          <p:cNvPr id="14" name="Obraz 13">
-            <a:extLst>
-              <a:ext uri="{FF2B5EF4-FFF2-40B4-BE49-F238E27FC236}">
-                <a16:creationId xmlns:a16="http://schemas.microsoft.com/office/drawing/2014/main" id="{4B785E72-CCE3-9955-7BDB-323365954DD2}"/>
-              </a:ext>
-            </a:extLst>
-          </p:cNvPr>
-          <p:cNvPicPr>
-            <a:picLocks noChangeAspect="1"/>
-          </p:cNvPicPr>
-          <p:nvPr/>
-        </p:nvPicPr>
-        <p:blipFill>
-          <a:blip r:embed="rId5"/>
-          <a:stretch>
-            <a:fillRect/>
-          </a:stretch>
-        </p:blipFill>
-        <p:spPr>
-          <a:xfrm>
-            <a:off x="3290604" y="5003914"/>
-            <a:ext cx="2514993" cy="1461415"/>
+            <a:off x="82859" y="379119"/>
+            <a:ext cx="7430938" cy="6351973"/>
           </a:xfrm>
           <a:prstGeom prst="rect">
             <a:avLst/>
@@ -5358,7 +5805,7 @@
     </p:spTree>
     <p:extLst>
       <p:ext uri="{BB962C8B-B14F-4D97-AF65-F5344CB8AC3E}">
-        <p14:creationId xmlns:p14="http://schemas.microsoft.com/office/powerpoint/2010/main" val="2175615340"/>
+        <p14:creationId xmlns:p14="http://schemas.microsoft.com/office/powerpoint/2010/main" val="3557130390"/>
       </p:ext>
     </p:extLst>
   </p:cSld>
@@ -5385,112 +5832,12 @@
           <a:chExt cx="0" cy="0"/>
         </a:xfrm>
       </p:grpSpPr>
-      <p:pic>
-        <p:nvPicPr>
-          <p:cNvPr id="3" name="Obraz 2">
-            <a:extLst>
-              <a:ext uri="{FF2B5EF4-FFF2-40B4-BE49-F238E27FC236}">
-                <a16:creationId xmlns:a16="http://schemas.microsoft.com/office/drawing/2014/main" id="{077377CD-49E4-B41D-68CB-0E4D65EB25E4}"/>
-              </a:ext>
-            </a:extLst>
-          </p:cNvPr>
-          <p:cNvPicPr>
-            <a:picLocks noChangeAspect="1"/>
-          </p:cNvPicPr>
-          <p:nvPr/>
-        </p:nvPicPr>
-        <p:blipFill rotWithShape="1">
-          <a:blip r:embed="rId2"/>
-          <a:srcRect r="20112"/>
-          <a:stretch/>
-        </p:blipFill>
-        <p:spPr>
-          <a:xfrm>
-            <a:off x="189199" y="4783368"/>
-            <a:ext cx="1918114" cy="1259553"/>
-          </a:xfrm>
-          <a:prstGeom prst="rect">
-            <a:avLst/>
-          </a:prstGeom>
-        </p:spPr>
-      </p:pic>
-      <p:pic>
-        <p:nvPicPr>
-          <p:cNvPr id="5" name="Obraz 4">
-            <a:extLst>
-              <a:ext uri="{FF2B5EF4-FFF2-40B4-BE49-F238E27FC236}">
-                <a16:creationId xmlns:a16="http://schemas.microsoft.com/office/drawing/2014/main" id="{10A10947-E55D-8605-4090-D7ABE07615FA}"/>
-              </a:ext>
-            </a:extLst>
-          </p:cNvPr>
-          <p:cNvPicPr>
-            <a:picLocks noChangeAspect="1"/>
-          </p:cNvPicPr>
-          <p:nvPr/>
-        </p:nvPicPr>
-        <p:blipFill>
-          <a:blip r:embed="rId3"/>
-          <a:stretch>
-            <a:fillRect/>
-          </a:stretch>
-        </p:blipFill>
-        <p:spPr>
-          <a:xfrm>
-            <a:off x="286446" y="2684972"/>
-            <a:ext cx="967666" cy="1461340"/>
-          </a:xfrm>
-          <a:prstGeom prst="rect">
-            <a:avLst/>
-          </a:prstGeom>
-        </p:spPr>
-      </p:pic>
-      <p:cxnSp>
-        <p:nvCxnSpPr>
-          <p:cNvPr id="8" name="Łącznik prosty ze strzałką 7">
-            <a:extLst>
-              <a:ext uri="{FF2B5EF4-FFF2-40B4-BE49-F238E27FC236}">
-                <a16:creationId xmlns:a16="http://schemas.microsoft.com/office/drawing/2014/main" id="{61454FFF-6127-3BAC-781E-3DE092617150}"/>
-              </a:ext>
-            </a:extLst>
-          </p:cNvPr>
-          <p:cNvCxnSpPr>
-            <a:cxnSpLocks/>
-          </p:cNvCxnSpPr>
-          <p:nvPr/>
-        </p:nvCxnSpPr>
-        <p:spPr>
-          <a:xfrm>
-            <a:off x="1338587" y="3429000"/>
-            <a:ext cx="648070" cy="0"/>
-          </a:xfrm>
-          <a:prstGeom prst="straightConnector1">
-            <a:avLst/>
-          </a:prstGeom>
-          <a:ln w="57150">
-            <a:tailEnd type="triangle"/>
-          </a:ln>
-        </p:spPr>
-        <p:style>
-          <a:lnRef idx="1">
-            <a:schemeClr val="accent1"/>
-          </a:lnRef>
-          <a:fillRef idx="0">
-            <a:schemeClr val="accent1"/>
-          </a:fillRef>
-          <a:effectRef idx="0">
-            <a:schemeClr val="accent1"/>
-          </a:effectRef>
-          <a:fontRef idx="minor">
-            <a:schemeClr val="tx1"/>
-          </a:fontRef>
-        </p:style>
-      </p:cxnSp>
-      <p:sp>
-        <p:nvSpPr>
-          <p:cNvPr id="10" name="pole tekstowe 9">
-            <a:extLst>
-              <a:ext uri="{FF2B5EF4-FFF2-40B4-BE49-F238E27FC236}">
-                <a16:creationId xmlns:a16="http://schemas.microsoft.com/office/drawing/2014/main" id="{A1CDB6CA-BA62-36C5-EE38-E2D2C4ABC5BC}"/>
+      <p:sp>
+        <p:nvSpPr>
+          <p:cNvPr id="3" name="pole tekstowe 2">
+            <a:extLst>
+              <a:ext uri="{FF2B5EF4-FFF2-40B4-BE49-F238E27FC236}">
+                <a16:creationId xmlns:a16="http://schemas.microsoft.com/office/drawing/2014/main" id="{EE066B61-1F33-0CFD-36A2-A1436E35F5F8}"/>
               </a:ext>
             </a:extLst>
           </p:cNvPr>
@@ -5499,8 +5846,8 @@
         </p:nvSpPr>
         <p:spPr>
           <a:xfrm>
-            <a:off x="6239751" y="3317939"/>
-            <a:ext cx="1248162" cy="369332"/>
+            <a:off x="3220745" y="3244334"/>
+            <a:ext cx="5750510" cy="369332"/>
           </a:xfrm>
           <a:prstGeom prst="rect">
             <a:avLst/>
@@ -5508,692 +5855,22 @@
           <a:noFill/>
         </p:spPr>
         <p:txBody>
-          <a:bodyPr wrap="none" rtlCol="0">
+          <a:bodyPr wrap="square">
             <a:spAutoFit/>
           </a:bodyPr>
           <a:lstStyle/>
           <a:p>
             <a:r>
-              <a:rPr lang="pl-PL" dirty="0" err="1"/>
-              <a:t>probka.TRA</a:t>
-            </a:r>
-            <a:endParaRPr lang="pl-PL" dirty="0"/>
-          </a:p>
-        </p:txBody>
-      </p:sp>
-      <p:cxnSp>
-        <p:nvCxnSpPr>
-          <p:cNvPr id="11" name="Łącznik prosty ze strzałką 10">
-            <a:extLst>
-              <a:ext uri="{FF2B5EF4-FFF2-40B4-BE49-F238E27FC236}">
-                <a16:creationId xmlns:a16="http://schemas.microsoft.com/office/drawing/2014/main" id="{43811766-7ADF-BD0B-109A-F2C6EA5E36D8}"/>
-              </a:ext>
-            </a:extLst>
-          </p:cNvPr>
-          <p:cNvCxnSpPr>
-            <a:cxnSpLocks/>
-          </p:cNvCxnSpPr>
-          <p:nvPr/>
-        </p:nvCxnSpPr>
-        <p:spPr>
-          <a:xfrm>
-            <a:off x="2195106" y="5581310"/>
-            <a:ext cx="574949" cy="0"/>
-          </a:xfrm>
-          <a:prstGeom prst="straightConnector1">
-            <a:avLst/>
-          </a:prstGeom>
-          <a:ln w="57150">
-            <a:tailEnd type="triangle"/>
-          </a:ln>
-        </p:spPr>
-        <p:style>
-          <a:lnRef idx="1">
-            <a:schemeClr val="accent1"/>
-          </a:lnRef>
-          <a:fillRef idx="0">
-            <a:schemeClr val="accent1"/>
-          </a:fillRef>
-          <a:effectRef idx="0">
-            <a:schemeClr val="accent1"/>
-          </a:effectRef>
-          <a:fontRef idx="minor">
-            <a:schemeClr val="tx1"/>
-          </a:fontRef>
-        </p:style>
-      </p:cxnSp>
-      <p:sp>
-        <p:nvSpPr>
-          <p:cNvPr id="12" name="pole tekstowe 11">
-            <a:extLst>
-              <a:ext uri="{FF2B5EF4-FFF2-40B4-BE49-F238E27FC236}">
-                <a16:creationId xmlns:a16="http://schemas.microsoft.com/office/drawing/2014/main" id="{56AE4C18-7573-B75F-F444-C0914207BD88}"/>
-              </a:ext>
-            </a:extLst>
-          </p:cNvPr>
-          <p:cNvSpPr txBox="1"/>
-          <p:nvPr/>
-        </p:nvSpPr>
-        <p:spPr>
-          <a:xfrm>
-            <a:off x="5405221" y="5238825"/>
-            <a:ext cx="2295757" cy="646331"/>
-          </a:xfrm>
-          <a:prstGeom prst="rect">
-            <a:avLst/>
-          </a:prstGeom>
-          <a:noFill/>
-        </p:spPr>
-        <p:txBody>
-          <a:bodyPr wrap="none" rtlCol="0">
-            <a:spAutoFit/>
-          </a:bodyPr>
-          <a:lstStyle/>
-          <a:p>
-            <a:r>
               <a:rPr lang="pl-PL" dirty="0"/>
-              <a:t>Współrzędne punktów</a:t>
-            </a:r>
-          </a:p>
-          <a:p>
-            <a:r>
-              <a:rPr lang="pl-PL" dirty="0"/>
-              <a:t>probka.csv</a:t>
-            </a:r>
-          </a:p>
-        </p:txBody>
-      </p:sp>
-      <p:pic>
-        <p:nvPicPr>
-          <p:cNvPr id="24" name="Obraz 23">
-            <a:extLst>
-              <a:ext uri="{FF2B5EF4-FFF2-40B4-BE49-F238E27FC236}">
-                <a16:creationId xmlns:a16="http://schemas.microsoft.com/office/drawing/2014/main" id="{939F04E5-512D-06FE-96B9-EF2A5455379C}"/>
-              </a:ext>
-            </a:extLst>
-          </p:cNvPr>
-          <p:cNvPicPr>
-            <a:picLocks noChangeAspect="1"/>
-          </p:cNvPicPr>
-          <p:nvPr/>
-        </p:nvPicPr>
-        <p:blipFill>
-          <a:blip r:embed="rId4"/>
-          <a:stretch>
-            <a:fillRect/>
-          </a:stretch>
-        </p:blipFill>
-        <p:spPr>
-          <a:xfrm>
-            <a:off x="2530608" y="72460"/>
-            <a:ext cx="1676801" cy="2379767"/>
-          </a:xfrm>
-          <a:prstGeom prst="rect">
-            <a:avLst/>
-          </a:prstGeom>
-        </p:spPr>
-      </p:pic>
-      <p:cxnSp>
-        <p:nvCxnSpPr>
-          <p:cNvPr id="25" name="Łącznik prosty ze strzałką 24">
-            <a:extLst>
-              <a:ext uri="{FF2B5EF4-FFF2-40B4-BE49-F238E27FC236}">
-                <a16:creationId xmlns:a16="http://schemas.microsoft.com/office/drawing/2014/main" id="{DF19DB40-8923-4C13-10A9-8EA2C691384A}"/>
-              </a:ext>
-            </a:extLst>
-          </p:cNvPr>
-          <p:cNvCxnSpPr>
-            <a:cxnSpLocks/>
-          </p:cNvCxnSpPr>
-          <p:nvPr/>
-        </p:nvCxnSpPr>
-        <p:spPr>
-          <a:xfrm>
-            <a:off x="4718550" y="1423900"/>
-            <a:ext cx="648070" cy="0"/>
-          </a:xfrm>
-          <a:prstGeom prst="straightConnector1">
-            <a:avLst/>
-          </a:prstGeom>
-          <a:ln w="57150">
-            <a:tailEnd type="triangle"/>
-          </a:ln>
-        </p:spPr>
-        <p:style>
-          <a:lnRef idx="1">
-            <a:schemeClr val="accent1"/>
-          </a:lnRef>
-          <a:fillRef idx="0">
-            <a:schemeClr val="accent1"/>
-          </a:fillRef>
-          <a:effectRef idx="0">
-            <a:schemeClr val="accent1"/>
-          </a:effectRef>
-          <a:fontRef idx="minor">
-            <a:schemeClr val="tx1"/>
-          </a:fontRef>
-        </p:style>
-      </p:cxnSp>
-      <p:sp>
-        <p:nvSpPr>
-          <p:cNvPr id="26" name="pole tekstowe 25">
-            <a:extLst>
-              <a:ext uri="{FF2B5EF4-FFF2-40B4-BE49-F238E27FC236}">
-                <a16:creationId xmlns:a16="http://schemas.microsoft.com/office/drawing/2014/main" id="{035D9B32-3E1E-4E90-6318-7ED2652694BE}"/>
-              </a:ext>
-            </a:extLst>
-          </p:cNvPr>
-          <p:cNvSpPr txBox="1"/>
-          <p:nvPr/>
-        </p:nvSpPr>
-        <p:spPr>
-          <a:xfrm>
-            <a:off x="5366620" y="1100735"/>
-            <a:ext cx="2560637" cy="646331"/>
-          </a:xfrm>
-          <a:prstGeom prst="rect">
-            <a:avLst/>
-          </a:prstGeom>
-          <a:noFill/>
-        </p:spPr>
-        <p:txBody>
-          <a:bodyPr wrap="none" rtlCol="0">
-            <a:spAutoFit/>
-          </a:bodyPr>
-          <a:lstStyle/>
-          <a:p>
-            <a:r>
-              <a:rPr lang="pl-PL" dirty="0"/>
-              <a:t>Lista próbek z wymiarami</a:t>
-            </a:r>
-          </a:p>
-          <a:p>
-            <a:r>
-              <a:rPr lang="pl-PL" dirty="0"/>
-              <a:t>lista.csv</a:t>
-            </a:r>
-          </a:p>
-        </p:txBody>
-      </p:sp>
-      <p:pic>
-        <p:nvPicPr>
-          <p:cNvPr id="28" name="Obraz 27">
-            <a:extLst>
-              <a:ext uri="{FF2B5EF4-FFF2-40B4-BE49-F238E27FC236}">
-                <a16:creationId xmlns:a16="http://schemas.microsoft.com/office/drawing/2014/main" id="{25D7FB8B-91DC-C8EF-D861-B2288809AB69}"/>
-              </a:ext>
-            </a:extLst>
-          </p:cNvPr>
-          <p:cNvPicPr>
-            <a:picLocks noChangeAspect="1"/>
-          </p:cNvPicPr>
-          <p:nvPr/>
-        </p:nvPicPr>
-        <p:blipFill>
-          <a:blip r:embed="rId5"/>
-          <a:stretch>
-            <a:fillRect/>
-          </a:stretch>
-        </p:blipFill>
-        <p:spPr>
-          <a:xfrm>
-            <a:off x="2982304" y="4532084"/>
-            <a:ext cx="2295757" cy="2253456"/>
-          </a:xfrm>
-          <a:prstGeom prst="rect">
-            <a:avLst/>
-          </a:prstGeom>
-        </p:spPr>
-      </p:pic>
-      <p:pic>
-        <p:nvPicPr>
-          <p:cNvPr id="30" name="Obraz 29">
-            <a:extLst>
-              <a:ext uri="{FF2B5EF4-FFF2-40B4-BE49-F238E27FC236}">
-                <a16:creationId xmlns:a16="http://schemas.microsoft.com/office/drawing/2014/main" id="{6F516435-C8F1-9277-1226-FC1FA4B6FDC9}"/>
-              </a:ext>
-            </a:extLst>
-          </p:cNvPr>
-          <p:cNvPicPr>
-            <a:picLocks noChangeAspect="1"/>
-          </p:cNvPicPr>
-          <p:nvPr/>
-        </p:nvPicPr>
-        <p:blipFill>
-          <a:blip r:embed="rId6"/>
-          <a:stretch>
-            <a:fillRect/>
-          </a:stretch>
-        </p:blipFill>
-        <p:spPr>
-          <a:xfrm>
-            <a:off x="2388268" y="2684972"/>
-            <a:ext cx="3851483" cy="1635267"/>
-          </a:xfrm>
-          <a:prstGeom prst="rect">
-            <a:avLst/>
-          </a:prstGeom>
-        </p:spPr>
-      </p:pic>
-      <p:cxnSp>
-        <p:nvCxnSpPr>
-          <p:cNvPr id="31" name="Łącznik prosty ze strzałką 30">
-            <a:extLst>
-              <a:ext uri="{FF2B5EF4-FFF2-40B4-BE49-F238E27FC236}">
-                <a16:creationId xmlns:a16="http://schemas.microsoft.com/office/drawing/2014/main" id="{E889E10A-2F47-E3AC-66B5-CC9C7046EC25}"/>
-              </a:ext>
-            </a:extLst>
-          </p:cNvPr>
-          <p:cNvCxnSpPr>
-            <a:cxnSpLocks/>
-          </p:cNvCxnSpPr>
-          <p:nvPr/>
-        </p:nvCxnSpPr>
-        <p:spPr>
-          <a:xfrm>
-            <a:off x="7971946" y="3780278"/>
-            <a:ext cx="648070" cy="0"/>
-          </a:xfrm>
-          <a:prstGeom prst="straightConnector1">
-            <a:avLst/>
-          </a:prstGeom>
-          <a:ln w="57150">
-            <a:tailEnd type="triangle"/>
-          </a:ln>
-        </p:spPr>
-        <p:style>
-          <a:lnRef idx="1">
-            <a:schemeClr val="accent1"/>
-          </a:lnRef>
-          <a:fillRef idx="0">
-            <a:schemeClr val="accent1"/>
-          </a:fillRef>
-          <a:effectRef idx="0">
-            <a:schemeClr val="accent1"/>
-          </a:effectRef>
-          <a:fontRef idx="minor">
-            <a:schemeClr val="tx1"/>
-          </a:fontRef>
-        </p:style>
-      </p:cxnSp>
-      <p:cxnSp>
-        <p:nvCxnSpPr>
-          <p:cNvPr id="32" name="Łącznik prosty ze strzałką 31">
-            <a:extLst>
-              <a:ext uri="{FF2B5EF4-FFF2-40B4-BE49-F238E27FC236}">
-                <a16:creationId xmlns:a16="http://schemas.microsoft.com/office/drawing/2014/main" id="{55400047-A4DE-F909-39A3-7C6A0BEEAF6D}"/>
-              </a:ext>
-            </a:extLst>
-          </p:cNvPr>
-          <p:cNvCxnSpPr>
-            <a:cxnSpLocks/>
-          </p:cNvCxnSpPr>
-          <p:nvPr/>
-        </p:nvCxnSpPr>
-        <p:spPr>
-          <a:xfrm>
-            <a:off x="8043816" y="5658811"/>
-            <a:ext cx="574949" cy="0"/>
-          </a:xfrm>
-          <a:prstGeom prst="straightConnector1">
-            <a:avLst/>
-          </a:prstGeom>
-          <a:ln w="57150">
-            <a:tailEnd type="triangle"/>
-          </a:ln>
-        </p:spPr>
-        <p:style>
-          <a:lnRef idx="1">
-            <a:schemeClr val="accent1"/>
-          </a:lnRef>
-          <a:fillRef idx="0">
-            <a:schemeClr val="accent1"/>
-          </a:fillRef>
-          <a:effectRef idx="0">
-            <a:schemeClr val="accent1"/>
-          </a:effectRef>
-          <a:fontRef idx="minor">
-            <a:schemeClr val="tx1"/>
-          </a:fontRef>
-        </p:style>
-      </p:cxnSp>
-      <p:cxnSp>
-        <p:nvCxnSpPr>
-          <p:cNvPr id="33" name="Łącznik prosty ze strzałką 32">
-            <a:extLst>
-              <a:ext uri="{FF2B5EF4-FFF2-40B4-BE49-F238E27FC236}">
-                <a16:creationId xmlns:a16="http://schemas.microsoft.com/office/drawing/2014/main" id="{E8283E90-2B14-C26B-7A70-419CBCE668BE}"/>
-              </a:ext>
-            </a:extLst>
-          </p:cNvPr>
-          <p:cNvCxnSpPr>
-            <a:cxnSpLocks/>
-          </p:cNvCxnSpPr>
-          <p:nvPr/>
-        </p:nvCxnSpPr>
-        <p:spPr>
-          <a:xfrm>
-            <a:off x="8082429" y="1390086"/>
-            <a:ext cx="648070" cy="0"/>
-          </a:xfrm>
-          <a:prstGeom prst="straightConnector1">
-            <a:avLst/>
-          </a:prstGeom>
-          <a:ln w="57150">
-            <a:tailEnd type="triangle"/>
-          </a:ln>
-        </p:spPr>
-        <p:style>
-          <a:lnRef idx="1">
-            <a:schemeClr val="accent1"/>
-          </a:lnRef>
-          <a:fillRef idx="0">
-            <a:schemeClr val="accent1"/>
-          </a:fillRef>
-          <a:effectRef idx="0">
-            <a:schemeClr val="accent1"/>
-          </a:effectRef>
-          <a:fontRef idx="minor">
-            <a:schemeClr val="tx1"/>
-          </a:fontRef>
-        </p:style>
-      </p:cxnSp>
-      <p:sp>
-        <p:nvSpPr>
-          <p:cNvPr id="34" name="Prostokąt 33">
-            <a:extLst>
-              <a:ext uri="{FF2B5EF4-FFF2-40B4-BE49-F238E27FC236}">
-                <a16:creationId xmlns:a16="http://schemas.microsoft.com/office/drawing/2014/main" id="{318DF428-D719-46B7-7081-AEAECBD2D818}"/>
-              </a:ext>
-            </a:extLst>
-          </p:cNvPr>
-          <p:cNvSpPr/>
-          <p:nvPr/>
-        </p:nvSpPr>
-        <p:spPr>
-          <a:xfrm>
-            <a:off x="8949539" y="847143"/>
-            <a:ext cx="2805343" cy="1047565"/>
-          </a:xfrm>
-          <a:prstGeom prst="rect">
-            <a:avLst/>
-          </a:prstGeom>
-          <a:noFill/>
-        </p:spPr>
-        <p:style>
-          <a:lnRef idx="2">
-            <a:schemeClr val="accent1">
-              <a:shade val="50000"/>
-            </a:schemeClr>
-          </a:lnRef>
-          <a:fillRef idx="1">
-            <a:schemeClr val="accent1"/>
-          </a:fillRef>
-          <a:effectRef idx="0">
-            <a:schemeClr val="accent1"/>
-          </a:effectRef>
-          <a:fontRef idx="minor">
-            <a:schemeClr val="lt1"/>
-          </a:fontRef>
-        </p:style>
-        <p:txBody>
-          <a:bodyPr rtlCol="0" anchor="ctr"/>
-          <a:lstStyle/>
-          <a:p>
-            <a:pPr algn="ctr"/>
-            <a:r>
-              <a:rPr lang="pl-PL" dirty="0">
-                <a:solidFill>
-                  <a:schemeClr val="tx1"/>
-                </a:solidFill>
-              </a:rPr>
-              <a:t>Nazwa próbki, przekrój</a:t>
-            </a:r>
-          </a:p>
-        </p:txBody>
-      </p:sp>
-      <p:sp>
-        <p:nvSpPr>
-          <p:cNvPr id="35" name="Prostokąt 34">
-            <a:extLst>
-              <a:ext uri="{FF2B5EF4-FFF2-40B4-BE49-F238E27FC236}">
-                <a16:creationId xmlns:a16="http://schemas.microsoft.com/office/drawing/2014/main" id="{7E1EF49F-8164-9F55-EAD1-6213F03535ED}"/>
-              </a:ext>
-            </a:extLst>
-          </p:cNvPr>
-          <p:cNvSpPr/>
-          <p:nvPr/>
-        </p:nvSpPr>
-        <p:spPr>
-          <a:xfrm>
-            <a:off x="8949539" y="3163488"/>
-            <a:ext cx="2805343" cy="1047565"/>
-          </a:xfrm>
-          <a:prstGeom prst="rect">
-            <a:avLst/>
-          </a:prstGeom>
-          <a:noFill/>
-        </p:spPr>
-        <p:style>
-          <a:lnRef idx="2">
-            <a:schemeClr val="accent1">
-              <a:shade val="50000"/>
-            </a:schemeClr>
-          </a:lnRef>
-          <a:fillRef idx="1">
-            <a:schemeClr val="accent1"/>
-          </a:fillRef>
-          <a:effectRef idx="0">
-            <a:schemeClr val="accent1"/>
-          </a:effectRef>
-          <a:fontRef idx="minor">
-            <a:schemeClr val="lt1"/>
-          </a:fontRef>
-        </p:style>
-        <p:txBody>
-          <a:bodyPr rtlCol="0" anchor="ctr"/>
-          <a:lstStyle/>
-          <a:p>
-            <a:pPr algn="ctr"/>
-            <a:r>
-              <a:rPr lang="pl-PL" dirty="0">
-                <a:solidFill>
-                  <a:schemeClr val="tx1"/>
-                </a:solidFill>
-              </a:rPr>
-              <a:t>siła</a:t>
-            </a:r>
-          </a:p>
-        </p:txBody>
-      </p:sp>
-      <p:sp>
-        <p:nvSpPr>
-          <p:cNvPr id="36" name="Prostokąt 35">
-            <a:extLst>
-              <a:ext uri="{FF2B5EF4-FFF2-40B4-BE49-F238E27FC236}">
-                <a16:creationId xmlns:a16="http://schemas.microsoft.com/office/drawing/2014/main" id="{F9B8F9B7-0799-D2BC-A1B7-CD11E1EB95DD}"/>
-              </a:ext>
-            </a:extLst>
-          </p:cNvPr>
-          <p:cNvSpPr/>
-          <p:nvPr/>
-        </p:nvSpPr>
-        <p:spPr>
-          <a:xfrm>
-            <a:off x="8949538" y="5135028"/>
-            <a:ext cx="2805343" cy="1047565"/>
-          </a:xfrm>
-          <a:prstGeom prst="rect">
-            <a:avLst/>
-          </a:prstGeom>
-          <a:noFill/>
-        </p:spPr>
-        <p:style>
-          <a:lnRef idx="2">
-            <a:schemeClr val="accent1">
-              <a:shade val="50000"/>
-            </a:schemeClr>
-          </a:lnRef>
-          <a:fillRef idx="1">
-            <a:schemeClr val="accent1"/>
-          </a:fillRef>
-          <a:effectRef idx="0">
-            <a:schemeClr val="accent1"/>
-          </a:effectRef>
-          <a:fontRef idx="minor">
-            <a:schemeClr val="lt1"/>
-          </a:fontRef>
-        </p:style>
-        <p:txBody>
-          <a:bodyPr rtlCol="0" anchor="ctr"/>
-          <a:lstStyle/>
-          <a:p>
-            <a:pPr algn="ctr"/>
-            <a:r>
-              <a:rPr lang="pl-PL" dirty="0">
-                <a:solidFill>
-                  <a:schemeClr val="tx1"/>
-                </a:solidFill>
-              </a:rPr>
-              <a:t>odkształcenie</a:t>
-            </a:r>
-          </a:p>
-        </p:txBody>
-      </p:sp>
-      <p:pic>
-        <p:nvPicPr>
-          <p:cNvPr id="37" name="Obraz 36">
-            <a:extLst>
-              <a:ext uri="{FF2B5EF4-FFF2-40B4-BE49-F238E27FC236}">
-                <a16:creationId xmlns:a16="http://schemas.microsoft.com/office/drawing/2014/main" id="{CF89DB1F-2288-F7CB-D070-68BD8442F937}"/>
-              </a:ext>
-            </a:extLst>
-          </p:cNvPr>
-          <p:cNvPicPr>
-            <a:picLocks noChangeAspect="1"/>
-          </p:cNvPicPr>
-          <p:nvPr/>
-        </p:nvPicPr>
-        <p:blipFill rotWithShape="1">
-          <a:blip r:embed="rId7"/>
-          <a:srcRect t="42378" b="26331"/>
-          <a:stretch/>
-        </p:blipFill>
-        <p:spPr>
-          <a:xfrm rot="5400000">
-            <a:off x="-324040" y="1183313"/>
-            <a:ext cx="2063667" cy="375223"/>
-          </a:xfrm>
-          <a:prstGeom prst="rect">
-            <a:avLst/>
-          </a:prstGeom>
-        </p:spPr>
-      </p:pic>
-      <p:cxnSp>
-        <p:nvCxnSpPr>
-          <p:cNvPr id="38" name="Łącznik prosty ze strzałką 37">
-            <a:extLst>
-              <a:ext uri="{FF2B5EF4-FFF2-40B4-BE49-F238E27FC236}">
-                <a16:creationId xmlns:a16="http://schemas.microsoft.com/office/drawing/2014/main" id="{77BD7868-D7C9-0D1F-D5B4-93360E728870}"/>
-              </a:ext>
-            </a:extLst>
-          </p:cNvPr>
-          <p:cNvCxnSpPr>
-            <a:cxnSpLocks/>
-          </p:cNvCxnSpPr>
-          <p:nvPr/>
-        </p:nvCxnSpPr>
-        <p:spPr>
-          <a:xfrm>
-            <a:off x="1389912" y="1262343"/>
-            <a:ext cx="648070" cy="0"/>
-          </a:xfrm>
-          <a:prstGeom prst="straightConnector1">
-            <a:avLst/>
-          </a:prstGeom>
-          <a:ln w="57150">
-            <a:tailEnd type="triangle"/>
-          </a:ln>
-        </p:spPr>
-        <p:style>
-          <a:lnRef idx="1">
-            <a:schemeClr val="accent1"/>
-          </a:lnRef>
-          <a:fillRef idx="0">
-            <a:schemeClr val="accent1"/>
-          </a:fillRef>
-          <a:effectRef idx="0">
-            <a:schemeClr val="accent1"/>
-          </a:effectRef>
-          <a:fontRef idx="minor">
-            <a:schemeClr val="tx1"/>
-          </a:fontRef>
-        </p:style>
-      </p:cxnSp>
+              <a:t>C:\Users\ADMIN\Documents\final_project\spis_probek.csv</a:t>
+            </a:r>
+          </a:p>
+        </p:txBody>
+      </p:sp>
     </p:spTree>
     <p:extLst>
       <p:ext uri="{BB962C8B-B14F-4D97-AF65-F5344CB8AC3E}">
-        <p14:creationId xmlns:p14="http://schemas.microsoft.com/office/powerpoint/2010/main" val="1708969600"/>
-      </p:ext>
-    </p:extLst>
-  </p:cSld>
-  <p:clrMapOvr>
-    <a:masterClrMapping/>
-  </p:clrMapOvr>
-</p:sld>
-</file>
-
-<file path=ppt/slides/slide6.xml><?xml version="1.0" encoding="utf-8"?>
-<p:sld xmlns:a="http://schemas.openxmlformats.org/drawingml/2006/main" xmlns:r="http://schemas.openxmlformats.org/officeDocument/2006/relationships" xmlns:p="http://schemas.openxmlformats.org/presentationml/2006/main">
-  <p:cSld>
-    <p:spTree>
-      <p:nvGrpSpPr>
-        <p:cNvPr id="1" name=""/>
-        <p:cNvGrpSpPr/>
-        <p:nvPr/>
-      </p:nvGrpSpPr>
-      <p:grpSpPr>
-        <a:xfrm>
-          <a:off x="0" y="0"/>
-          <a:ext cx="0" cy="0"/>
-          <a:chOff x="0" y="0"/>
-          <a:chExt cx="0" cy="0"/>
-        </a:xfrm>
-      </p:grpSpPr>
-      <p:pic>
-        <p:nvPicPr>
-          <p:cNvPr id="3" name="Obraz 2">
-            <a:extLst>
-              <a:ext uri="{FF2B5EF4-FFF2-40B4-BE49-F238E27FC236}">
-                <a16:creationId xmlns:a16="http://schemas.microsoft.com/office/drawing/2014/main" id="{86C763A1-4025-AA16-3926-E1B445B10FCC}"/>
-              </a:ext>
-            </a:extLst>
-          </p:cNvPr>
-          <p:cNvPicPr>
-            <a:picLocks noChangeAspect="1"/>
-          </p:cNvPicPr>
-          <p:nvPr/>
-        </p:nvPicPr>
-        <p:blipFill>
-          <a:blip r:embed="rId2"/>
-          <a:stretch>
-            <a:fillRect/>
-          </a:stretch>
-        </p:blipFill>
-        <p:spPr>
-          <a:xfrm>
-            <a:off x="1791114" y="0"/>
-            <a:ext cx="8609772" cy="6858000"/>
-          </a:xfrm>
-          <a:prstGeom prst="rect">
-            <a:avLst/>
-          </a:prstGeom>
-        </p:spPr>
-      </p:pic>
-    </p:spTree>
-    <p:extLst>
-      <p:ext uri="{BB962C8B-B14F-4D97-AF65-F5344CB8AC3E}">
-        <p14:creationId xmlns:p14="http://schemas.microsoft.com/office/powerpoint/2010/main" val="1315067678"/>
+        <p14:creationId xmlns:p14="http://schemas.microsoft.com/office/powerpoint/2010/main" val="3674829724"/>
       </p:ext>
     </p:extLst>
   </p:cSld>
